--- a/Class_Materials/Week_3/Day_1/ISBPM w3d1.pptx
+++ b/Class_Materials/Week_3/Day_1/ISBPM w3d1.pptx
@@ -5,20 +5,17 @@
     <p:sldMasterId id="2147483900" r:id="rId1"/>
   </p:sldMasterIdLst>
   <p:notesMasterIdLst>
-    <p:notesMasterId r:id="rId13"/>
+    <p:notesMasterId r:id="rId10"/>
   </p:notesMasterIdLst>
   <p:sldIdLst>
     <p:sldId id="256" r:id="rId2"/>
     <p:sldId id="298" r:id="rId3"/>
     <p:sldId id="278" r:id="rId4"/>
     <p:sldId id="326" r:id="rId5"/>
-    <p:sldId id="280" r:id="rId6"/>
-    <p:sldId id="277" r:id="rId7"/>
-    <p:sldId id="281" r:id="rId8"/>
-    <p:sldId id="275" r:id="rId9"/>
-    <p:sldId id="260" r:id="rId10"/>
-    <p:sldId id="276" r:id="rId11"/>
-    <p:sldId id="324" r:id="rId12"/>
+    <p:sldId id="275" r:id="rId6"/>
+    <p:sldId id="260" r:id="rId7"/>
+    <p:sldId id="276" r:id="rId8"/>
+    <p:sldId id="324" r:id="rId9"/>
   </p:sldIdLst>
   <p:sldSz cx="12192000" cy="6858000"/>
   <p:notesSz cx="6858000" cy="9144000"/>
@@ -3482,10 +3479,25 @@
   <pc:docChgLst>
     <pc:chgData name="Emily Crose" userId="5a1598ef78992c55" providerId="LiveId" clId="{67002AFB-16E7-4872-A597-832B63EBDEE2}"/>
     <pc:docChg chg="addSld delSld modSld">
-      <pc:chgData name="Emily Crose" userId="5a1598ef78992c55" providerId="LiveId" clId="{67002AFB-16E7-4872-A597-832B63EBDEE2}" dt="2023-04-18T18:00:46.301" v="1"/>
+      <pc:chgData name="Emily Crose" userId="5a1598ef78992c55" providerId="LiveId" clId="{67002AFB-16E7-4872-A597-832B63EBDEE2}" dt="2023-04-19T14:24:48.328" v="7" actId="20577"/>
       <pc:docMkLst>
         <pc:docMk/>
       </pc:docMkLst>
+      <pc:sldChg chg="modSp mod">
+        <pc:chgData name="Emily Crose" userId="5a1598ef78992c55" providerId="LiveId" clId="{67002AFB-16E7-4872-A597-832B63EBDEE2}" dt="2023-04-19T14:24:48.328" v="7" actId="20577"/>
+        <pc:sldMkLst>
+          <pc:docMk/>
+          <pc:sldMk cId="1938681844" sldId="256"/>
+        </pc:sldMkLst>
+        <pc:spChg chg="mod">
+          <ac:chgData name="Emily Crose" userId="5a1598ef78992c55" providerId="LiveId" clId="{67002AFB-16E7-4872-A597-832B63EBDEE2}" dt="2023-04-19T14:24:48.328" v="7" actId="20577"/>
+          <ac:spMkLst>
+            <pc:docMk/>
+            <pc:sldMk cId="1938681844" sldId="256"/>
+            <ac:spMk id="3" creationId="{AF3ACA5B-2163-AEC4-7BB9-C0423A72604D}"/>
+          </ac:spMkLst>
+        </pc:spChg>
+      </pc:sldChg>
       <pc:sldChg chg="del">
         <pc:chgData name="Emily Crose" userId="5a1598ef78992c55" providerId="LiveId" clId="{67002AFB-16E7-4872-A597-832B63EBDEE2}" dt="2023-04-18T18:00:42.188" v="0" actId="47"/>
         <pc:sldMkLst>
@@ -3549,8 +3561,8 @@
           <pc:sldMk cId="2670941506" sldId="272"/>
         </pc:sldMkLst>
       </pc:sldChg>
-      <pc:sldChg chg="add">
-        <pc:chgData name="Emily Crose" userId="5a1598ef78992c55" providerId="LiveId" clId="{67002AFB-16E7-4872-A597-832B63EBDEE2}" dt="2023-04-18T18:00:46.301" v="1"/>
+      <pc:sldChg chg="add del">
+        <pc:chgData name="Emily Crose" userId="5a1598ef78992c55" providerId="LiveId" clId="{67002AFB-16E7-4872-A597-832B63EBDEE2}" dt="2023-04-19T14:20:52.425" v="2" actId="2696"/>
         <pc:sldMkLst>
           <pc:docMk/>
           <pc:sldMk cId="2158119916" sldId="277"/>
@@ -3563,15 +3575,15 @@
           <pc:sldMk cId="2935181501" sldId="279"/>
         </pc:sldMkLst>
       </pc:sldChg>
-      <pc:sldChg chg="add">
-        <pc:chgData name="Emily Crose" userId="5a1598ef78992c55" providerId="LiveId" clId="{67002AFB-16E7-4872-A597-832B63EBDEE2}" dt="2023-04-18T18:00:46.301" v="1"/>
+      <pc:sldChg chg="add del">
+        <pc:chgData name="Emily Crose" userId="5a1598ef78992c55" providerId="LiveId" clId="{67002AFB-16E7-4872-A597-832B63EBDEE2}" dt="2023-04-19T14:20:52.425" v="2" actId="2696"/>
         <pc:sldMkLst>
           <pc:docMk/>
           <pc:sldMk cId="3076984293" sldId="280"/>
         </pc:sldMkLst>
       </pc:sldChg>
-      <pc:sldChg chg="add">
-        <pc:chgData name="Emily Crose" userId="5a1598ef78992c55" providerId="LiveId" clId="{67002AFB-16E7-4872-A597-832B63EBDEE2}" dt="2023-04-18T18:00:46.301" v="1"/>
+      <pc:sldChg chg="add del">
+        <pc:chgData name="Emily Crose" userId="5a1598ef78992c55" providerId="LiveId" clId="{67002AFB-16E7-4872-A597-832B63EBDEE2}" dt="2023-04-19T14:20:52.425" v="2" actId="2696"/>
         <pc:sldMkLst>
           <pc:docMk/>
           <pc:sldMk cId="3028504148" sldId="281"/>
@@ -3807,6 +3819,21 @@
           <pc:docMk/>
           <pc:sldMk cId="2233173004" sldId="325"/>
         </pc:sldMkLst>
+      </pc:sldChg>
+      <pc:sldChg chg="modSp mod">
+        <pc:chgData name="Emily Crose" userId="5a1598ef78992c55" providerId="LiveId" clId="{67002AFB-16E7-4872-A597-832B63EBDEE2}" dt="2023-04-19T14:21:02.606" v="3" actId="20577"/>
+        <pc:sldMkLst>
+          <pc:docMk/>
+          <pc:sldMk cId="3485029189" sldId="326"/>
+        </pc:sldMkLst>
+        <pc:spChg chg="mod">
+          <ac:chgData name="Emily Crose" userId="5a1598ef78992c55" providerId="LiveId" clId="{67002AFB-16E7-4872-A597-832B63EBDEE2}" dt="2023-04-19T14:21:02.606" v="3" actId="20577"/>
+          <ac:spMkLst>
+            <pc:docMk/>
+            <pc:sldMk cId="3485029189" sldId="326"/>
+            <ac:spMk id="5" creationId="{4257133E-120B-4836-B845-1320AD89F184}"/>
+          </ac:spMkLst>
+        </pc:spChg>
       </pc:sldChg>
       <pc:sldChg chg="del">
         <pc:chgData name="Emily Crose" userId="5a1598ef78992c55" providerId="LiveId" clId="{67002AFB-16E7-4872-A597-832B63EBDEE2}" dt="2023-04-18T18:00:42.188" v="0" actId="47"/>
@@ -7765,7 +7792,7 @@
           <a:p>
             <a:fld id="{BE048F1E-0B01-B04D-9371-15538F615E4A}" type="datetimeFigureOut">
               <a:rPr lang="en-US" smtClean="0"/>
-              <a:t>4/18/2023</a:t>
+              <a:t>4/19/2023</a:t>
             </a:fld>
             <a:endParaRPr lang="en-US"/>
           </a:p>
@@ -8116,180 +8143,6 @@
 </p:notes>
 </file>
 
-<file path=ppt/notesSlides/notesSlide2.xml><?xml version="1.0" encoding="utf-8"?>
-<p:notes xmlns:a="http://schemas.openxmlformats.org/drawingml/2006/main" xmlns:r="http://schemas.openxmlformats.org/officeDocument/2006/relationships" xmlns:p="http://schemas.openxmlformats.org/presentationml/2006/main">
-  <p:cSld>
-    <p:spTree>
-      <p:nvGrpSpPr>
-        <p:cNvPr id="1" name=""/>
-        <p:cNvGrpSpPr/>
-        <p:nvPr/>
-      </p:nvGrpSpPr>
-      <p:grpSpPr>
-        <a:xfrm>
-          <a:off x="0" y="0"/>
-          <a:ext cx="0" cy="0"/>
-          <a:chOff x="0" y="0"/>
-          <a:chExt cx="0" cy="0"/>
-        </a:xfrm>
-      </p:grpSpPr>
-      <p:sp>
-        <p:nvSpPr>
-          <p:cNvPr id="2" name="Slide Image Placeholder 1"/>
-          <p:cNvSpPr>
-            <a:spLocks noGrp="1" noRot="1" noChangeAspect="1"/>
-          </p:cNvSpPr>
-          <p:nvPr>
-            <p:ph type="sldImg"/>
-          </p:nvPr>
-        </p:nvSpPr>
-        <p:spPr/>
-      </p:sp>
-      <p:sp>
-        <p:nvSpPr>
-          <p:cNvPr id="3" name="Notes Placeholder 2"/>
-          <p:cNvSpPr>
-            <a:spLocks noGrp="1"/>
-          </p:cNvSpPr>
-          <p:nvPr>
-            <p:ph type="body" idx="1"/>
-          </p:nvPr>
-        </p:nvSpPr>
-        <p:spPr/>
-        <p:txBody>
-          <a:bodyPr/>
-          <a:lstStyle/>
-          <a:p>
-            <a:r>
-              <a:rPr lang="en-US" dirty="0"/>
-              <a:t>Over the last couple of days, we’ve talked a lot about the types of software we may interact with in our lives. We now have a sense of scale of how large of a project it is to build an app, so the question for us becomes; how do we approach this project with as much organization as possible? That’s where the software development life cycle comes into play</a:t>
-            </a:r>
-          </a:p>
-        </p:txBody>
-      </p:sp>
-      <p:sp>
-        <p:nvSpPr>
-          <p:cNvPr id="4" name="Slide Number Placeholder 3"/>
-          <p:cNvSpPr>
-            <a:spLocks noGrp="1"/>
-          </p:cNvSpPr>
-          <p:nvPr>
-            <p:ph type="sldNum" sz="quarter" idx="5"/>
-          </p:nvPr>
-        </p:nvSpPr>
-        <p:spPr/>
-        <p:txBody>
-          <a:bodyPr/>
-          <a:lstStyle/>
-          <a:p>
-            <a:fld id="{10D988CA-5978-2244-BA11-DC1A92DB7F45}" type="slidenum">
-              <a:rPr lang="en-US" smtClean="0"/>
-              <a:t>5</a:t>
-            </a:fld>
-            <a:endParaRPr lang="en-US"/>
-          </a:p>
-        </p:txBody>
-      </p:sp>
-    </p:spTree>
-    <p:extLst>
-      <p:ext uri="{BB962C8B-B14F-4D97-AF65-F5344CB8AC3E}">
-        <p14:creationId xmlns:p14="http://schemas.microsoft.com/office/powerpoint/2010/main" val="2000501755"/>
-      </p:ext>
-    </p:extLst>
-  </p:cSld>
-  <p:clrMapOvr>
-    <a:masterClrMapping/>
-  </p:clrMapOvr>
-</p:notes>
-</file>
-
-<file path=ppt/notesSlides/notesSlide3.xml><?xml version="1.0" encoding="utf-8"?>
-<p:notes xmlns:a="http://schemas.openxmlformats.org/drawingml/2006/main" xmlns:r="http://schemas.openxmlformats.org/officeDocument/2006/relationships" xmlns:p="http://schemas.openxmlformats.org/presentationml/2006/main">
-  <p:cSld>
-    <p:spTree>
-      <p:nvGrpSpPr>
-        <p:cNvPr id="1" name=""/>
-        <p:cNvGrpSpPr/>
-        <p:nvPr/>
-      </p:nvGrpSpPr>
-      <p:grpSpPr>
-        <a:xfrm>
-          <a:off x="0" y="0"/>
-          <a:ext cx="0" cy="0"/>
-          <a:chOff x="0" y="0"/>
-          <a:chExt cx="0" cy="0"/>
-        </a:xfrm>
-      </p:grpSpPr>
-      <p:sp>
-        <p:nvSpPr>
-          <p:cNvPr id="2" name="Slide Image Placeholder 1"/>
-          <p:cNvSpPr>
-            <a:spLocks noGrp="1" noRot="1" noChangeAspect="1"/>
-          </p:cNvSpPr>
-          <p:nvPr>
-            <p:ph type="sldImg"/>
-          </p:nvPr>
-        </p:nvSpPr>
-        <p:spPr/>
-      </p:sp>
-      <p:sp>
-        <p:nvSpPr>
-          <p:cNvPr id="3" name="Notes Placeholder 2"/>
-          <p:cNvSpPr>
-            <a:spLocks noGrp="1"/>
-          </p:cNvSpPr>
-          <p:nvPr>
-            <p:ph type="body" idx="1"/>
-          </p:nvPr>
-        </p:nvSpPr>
-        <p:spPr/>
-        <p:txBody>
-          <a:bodyPr/>
-          <a:lstStyle/>
-          <a:p>
-            <a:r>
-              <a:rPr lang="en-US" dirty="0"/>
-              <a:t>This is a simple example of the SDLC. Typically, representations of the SDLC will have around 6 steps, but the steps will generally match what you see here. </a:t>
-            </a:r>
-          </a:p>
-        </p:txBody>
-      </p:sp>
-      <p:sp>
-        <p:nvSpPr>
-          <p:cNvPr id="4" name="Slide Number Placeholder 3"/>
-          <p:cNvSpPr>
-            <a:spLocks noGrp="1"/>
-          </p:cNvSpPr>
-          <p:nvPr>
-            <p:ph type="sldNum" sz="quarter" idx="5"/>
-          </p:nvPr>
-        </p:nvSpPr>
-        <p:spPr/>
-        <p:txBody>
-          <a:bodyPr/>
-          <a:lstStyle/>
-          <a:p>
-            <a:fld id="{10D988CA-5978-2244-BA11-DC1A92DB7F45}" type="slidenum">
-              <a:rPr lang="en-US" smtClean="0"/>
-              <a:t>7</a:t>
-            </a:fld>
-            <a:endParaRPr lang="en-US"/>
-          </a:p>
-        </p:txBody>
-      </p:sp>
-    </p:spTree>
-    <p:extLst>
-      <p:ext uri="{BB962C8B-B14F-4D97-AF65-F5344CB8AC3E}">
-        <p14:creationId xmlns:p14="http://schemas.microsoft.com/office/powerpoint/2010/main" val="2071879139"/>
-      </p:ext>
-    </p:extLst>
-  </p:cSld>
-  <p:clrMapOvr>
-    <a:masterClrMapping/>
-  </p:clrMapOvr>
-</p:notes>
-</file>
-
 <file path=ppt/slideLayouts/slideLayout1.xml><?xml version="1.0" encoding="utf-8"?>
 <p:sldLayout xmlns:a="http://schemas.openxmlformats.org/drawingml/2006/main" xmlns:r="http://schemas.openxmlformats.org/officeDocument/2006/relationships" xmlns:p="http://schemas.openxmlformats.org/presentationml/2006/main" type="title" preserve="1">
   <p:cSld name="Title Slide">
@@ -8519,7 +8372,7 @@
           <a:p>
             <a:fld id="{1160EA64-D806-43AC-9DF2-F8C432F32B4C}" type="datetimeFigureOut">
               <a:rPr lang="en-US" smtClean="0"/>
-              <a:t>4/18/2023</a:t>
+              <a:t>4/19/2023</a:t>
             </a:fld>
             <a:endParaRPr lang="en-US" dirty="0"/>
           </a:p>
@@ -8854,7 +8707,7 @@
           <a:p>
             <a:fld id="{1160EA64-D806-43AC-9DF2-F8C432F32B4C}" type="datetimeFigureOut">
               <a:rPr lang="en-US" smtClean="0"/>
-              <a:t>4/18/2023</a:t>
+              <a:t>4/19/2023</a:t>
             </a:fld>
             <a:endParaRPr lang="en-US" dirty="0"/>
           </a:p>
@@ -9134,7 +8987,7 @@
           <a:p>
             <a:fld id="{1160EA64-D806-43AC-9DF2-F8C432F32B4C}" type="datetimeFigureOut">
               <a:rPr lang="en-US" smtClean="0"/>
-              <a:t>4/18/2023</a:t>
+              <a:t>4/19/2023</a:t>
             </a:fld>
             <a:endParaRPr lang="en-US" dirty="0"/>
           </a:p>
@@ -9704,7 +9557,7 @@
           <a:p>
             <a:fld id="{1160EA64-D806-43AC-9DF2-F8C432F32B4C}" type="datetimeFigureOut">
               <a:rPr lang="en-US" smtClean="0"/>
-              <a:t>4/18/2023</a:t>
+              <a:t>4/19/2023</a:t>
             </a:fld>
             <a:endParaRPr lang="en-US" dirty="0"/>
           </a:p>
@@ -9984,7 +9837,7 @@
           <a:p>
             <a:fld id="{1160EA64-D806-43AC-9DF2-F8C432F32B4C}" type="datetimeFigureOut">
               <a:rPr lang="en-US" smtClean="0"/>
-              <a:t>4/18/2023</a:t>
+              <a:t>4/19/2023</a:t>
             </a:fld>
             <a:endParaRPr lang="en-US" dirty="0"/>
           </a:p>
@@ -10548,7 +10401,7 @@
           <a:p>
             <a:fld id="{1160EA64-D806-43AC-9DF2-F8C432F32B4C}" type="datetimeFigureOut">
               <a:rPr lang="en-US" smtClean="0"/>
-              <a:t>4/18/2023</a:t>
+              <a:t>4/19/2023</a:t>
             </a:fld>
             <a:endParaRPr lang="en-US" dirty="0"/>
           </a:p>
@@ -10877,7 +10730,7 @@
           <a:p>
             <a:fld id="{1160EA64-D806-43AC-9DF2-F8C432F32B4C}" type="datetimeFigureOut">
               <a:rPr lang="en-US" smtClean="0"/>
-              <a:t>4/18/2023</a:t>
+              <a:t>4/19/2023</a:t>
             </a:fld>
             <a:endParaRPr lang="en-US" dirty="0"/>
           </a:p>
@@ -11056,7 +10909,7 @@
           <a:p>
             <a:fld id="{E9F9C37B-1D36-470B-8223-D6C91242EC14}" type="datetimeFigureOut">
               <a:rPr lang="en-US" smtClean="0"/>
-              <a:t>4/18/2023</a:t>
+              <a:t>4/19/2023</a:t>
             </a:fld>
             <a:endParaRPr lang="en-US" dirty="0"/>
           </a:p>
@@ -11294,7 +11147,7 @@
           <a:p>
             <a:fld id="{67C6F52A-A82B-47A2-A83A-8C4C91F2D59F}" type="datetimeFigureOut">
               <a:rPr lang="en-US" smtClean="0"/>
-              <a:t>4/18/2023</a:t>
+              <a:t>4/19/2023</a:t>
             </a:fld>
             <a:endParaRPr lang="en-US" dirty="0"/>
           </a:p>
@@ -11494,7 +11347,7 @@
           <a:p>
             <a:fld id="{F070A7B3-6521-4DCA-87E5-044747A908C1}" type="datetimeFigureOut">
               <a:rPr lang="en-US" smtClean="0"/>
-              <a:t>4/18/2023</a:t>
+              <a:t>4/19/2023</a:t>
             </a:fld>
             <a:endParaRPr lang="en-US" dirty="0"/>
           </a:p>
@@ -11771,7 +11624,7 @@
           <a:p>
             <a:fld id="{1160EA64-D806-43AC-9DF2-F8C432F32B4C}" type="datetimeFigureOut">
               <a:rPr lang="en-US" smtClean="0"/>
-              <a:t>4/18/2023</a:t>
+              <a:t>4/19/2023</a:t>
             </a:fld>
             <a:endParaRPr lang="en-US" dirty="0"/>
           </a:p>
@@ -12038,7 +11891,7 @@
           <a:p>
             <a:fld id="{AB134690-1557-4C89-A502-4959FE7FAD70}" type="datetimeFigureOut">
               <a:rPr lang="en-US" smtClean="0"/>
-              <a:t>4/18/2023</a:t>
+              <a:t>4/19/2023</a:t>
             </a:fld>
             <a:endParaRPr lang="en-US" dirty="0"/>
           </a:p>
@@ -12412,7 +12265,7 @@
           <a:p>
             <a:fld id="{1160EA64-D806-43AC-9DF2-F8C432F32B4C}" type="datetimeFigureOut">
               <a:rPr lang="en-US" smtClean="0"/>
-              <a:t>4/18/2023</a:t>
+              <a:t>4/19/2023</a:t>
             </a:fld>
             <a:endParaRPr lang="en-US" dirty="0"/>
           </a:p>
@@ -12562,7 +12415,7 @@
           <a:p>
             <a:fld id="{E1037C31-9E7A-4F99-8774-A0E530DE1A42}" type="datetimeFigureOut">
               <a:rPr lang="en-US" smtClean="0"/>
-              <a:t>4/18/2023</a:t>
+              <a:t>4/19/2023</a:t>
             </a:fld>
             <a:endParaRPr lang="en-US" dirty="0"/>
           </a:p>
@@ -12687,7 +12540,7 @@
           <a:p>
             <a:fld id="{C278504F-A551-4DE0-9316-4DCD1D8CC752}" type="datetimeFigureOut">
               <a:rPr lang="en-US" smtClean="0"/>
-              <a:t>4/18/2023</a:t>
+              <a:t>4/19/2023</a:t>
             </a:fld>
             <a:endParaRPr lang="en-US" dirty="0"/>
           </a:p>
@@ -12972,7 +12825,7 @@
           <a:p>
             <a:fld id="{D1BE4249-C0D0-4B06-8692-E8BB871AF643}" type="datetimeFigureOut">
               <a:rPr lang="en-US" smtClean="0"/>
-              <a:t>4/18/2023</a:t>
+              <a:t>4/19/2023</a:t>
             </a:fld>
             <a:endParaRPr lang="en-US" dirty="0"/>
           </a:p>
@@ -13296,7 +13149,7 @@
           <a:p>
             <a:fld id="{042B0DB6-F5C7-45FB-8CF3-31B45F9C2DAC}" type="datetimeFigureOut">
               <a:rPr lang="en-US" smtClean="0"/>
-              <a:t>4/18/2023</a:t>
+              <a:t>4/19/2023</a:t>
             </a:fld>
             <a:endParaRPr lang="en-US" dirty="0"/>
           </a:p>
@@ -13510,7 +13363,7 @@
           <a:p>
             <a:fld id="{1160EA64-D806-43AC-9DF2-F8C432F32B4C}" type="datetimeFigureOut">
               <a:rPr lang="en-US" smtClean="0"/>
-              <a:t>4/18/2023</a:t>
+              <a:t>4/19/2023</a:t>
             </a:fld>
             <a:endParaRPr lang="en-US" dirty="0"/>
           </a:p>
@@ -14782,7 +14635,7 @@
           <a:p>
             <a:pPr algn="ctr"/>
             <a:r>
-              <a:rPr lang="en-US" b="1" cap="none" dirty="0">
+              <a:rPr lang="en-US" b="1" cap="none">
                 <a:solidFill>
                   <a:schemeClr val="tx1">
                     <a:lumMod val="85000"/>
@@ -14790,8 +14643,16 @@
                   </a:schemeClr>
                 </a:solidFill>
               </a:rPr>
-              <a:t>Week 2 Day 2</a:t>
+              <a:t>Week 3 Day 1</a:t>
             </a:r>
+            <a:endParaRPr lang="en-US" b="1" cap="none" dirty="0">
+              <a:solidFill>
+                <a:schemeClr val="tx1">
+                  <a:lumMod val="85000"/>
+                  <a:lumOff val="15000"/>
+                </a:schemeClr>
+              </a:solidFill>
+            </a:endParaRPr>
           </a:p>
           <a:p>
             <a:pPr algn="ctr"/>
@@ -14846,352 +14707,6 @@
   </p:cSld>
   <p:clrMapOvr>
     <a:overrideClrMapping bg1="lt1" tx1="dk1" bg2="lt2" tx2="dk2" accent1="accent1" accent2="accent2" accent3="accent3" accent4="accent4" accent5="accent5" accent6="accent6" hlink="hlink" folHlink="folHlink"/>
-  </p:clrMapOvr>
-</p:sld>
-</file>
-
-<file path=ppt/slides/slide10.xml><?xml version="1.0" encoding="utf-8"?>
-<p:sld xmlns:a="http://schemas.openxmlformats.org/drawingml/2006/main" xmlns:r="http://schemas.openxmlformats.org/officeDocument/2006/relationships" xmlns:p="http://schemas.openxmlformats.org/presentationml/2006/main">
-  <p:cSld>
-    <p:bg>
-      <p:bgPr>
-        <a:solidFill>
-          <a:schemeClr val="bg1">
-            <a:lumMod val="95000"/>
-          </a:schemeClr>
-        </a:solidFill>
-        <a:effectLst/>
-      </p:bgPr>
-    </p:bg>
-    <p:spTree>
-      <p:nvGrpSpPr>
-        <p:cNvPr id="1" name=""/>
-        <p:cNvGrpSpPr/>
-        <p:nvPr/>
-      </p:nvGrpSpPr>
-      <p:grpSpPr>
-        <a:xfrm>
-          <a:off x="0" y="0"/>
-          <a:ext cx="0" cy="0"/>
-          <a:chOff x="0" y="0"/>
-          <a:chExt cx="0" cy="0"/>
-        </a:xfrm>
-      </p:grpSpPr>
-      <p:pic>
-        <p:nvPicPr>
-          <p:cNvPr id="6" name="Picture 3" descr="Background pattern&#10;&#10;Description automatically generated">
-            <a:extLst>
-              <a:ext uri="{FF2B5EF4-FFF2-40B4-BE49-F238E27FC236}">
-                <a16:creationId xmlns:a16="http://schemas.microsoft.com/office/drawing/2014/main" id="{D32171E9-270F-BA0C-17D9-9525FB89BC77}"/>
-              </a:ext>
-            </a:extLst>
-          </p:cNvPr>
-          <p:cNvPicPr>
-            <a:picLocks noChangeAspect="1"/>
-          </p:cNvPicPr>
-          <p:nvPr/>
-        </p:nvPicPr>
-        <p:blipFill rotWithShape="1">
-          <a:blip r:embed="rId2"/>
-          <a:srcRect t="3334" b="12397"/>
-          <a:stretch/>
-        </p:blipFill>
-        <p:spPr>
-          <a:xfrm>
-            <a:off x="20" y="10"/>
-            <a:ext cx="12191980" cy="6857990"/>
-          </a:xfrm>
-          <a:prstGeom prst="rect">
-            <a:avLst/>
-          </a:prstGeom>
-        </p:spPr>
-      </p:pic>
-      <p:sp>
-        <p:nvSpPr>
-          <p:cNvPr id="2" name="Title 1">
-            <a:extLst>
-              <a:ext uri="{FF2B5EF4-FFF2-40B4-BE49-F238E27FC236}">
-                <a16:creationId xmlns:a16="http://schemas.microsoft.com/office/drawing/2014/main" id="{B963730F-E840-E5E0-87C0-65F532F962AC}"/>
-              </a:ext>
-            </a:extLst>
-          </p:cNvPr>
-          <p:cNvSpPr>
-            <a:spLocks noGrp="1"/>
-          </p:cNvSpPr>
-          <p:nvPr>
-            <p:ph type="title"/>
-          </p:nvPr>
-        </p:nvSpPr>
-        <p:spPr>
-          <a:xfrm>
-            <a:off x="1601724" y="2606040"/>
-            <a:ext cx="8988552" cy="1645920"/>
-          </a:xfrm>
-          <a:solidFill>
-            <a:srgbClr val="000000">
-              <a:alpha val="70000"/>
-            </a:srgbClr>
-          </a:solidFill>
-          <a:ln>
-            <a:solidFill>
-              <a:srgbClr val="FFFFFF"/>
-            </a:solidFill>
-          </a:ln>
-        </p:spPr>
-        <p:txBody>
-          <a:bodyPr>
-            <a:normAutofit/>
-          </a:bodyPr>
-          <a:lstStyle/>
-          <a:p>
-            <a:r>
-              <a:rPr lang="en-US" sz="3800">
-                <a:solidFill>
-                  <a:srgbClr val="FFFFFF"/>
-                </a:solidFill>
-              </a:rPr>
-              <a:t>Preview day 3</a:t>
-            </a:r>
-          </a:p>
-        </p:txBody>
-      </p:sp>
-    </p:spTree>
-    <p:extLst>
-      <p:ext uri="{BB962C8B-B14F-4D97-AF65-F5344CB8AC3E}">
-        <p14:creationId xmlns:p14="http://schemas.microsoft.com/office/powerpoint/2010/main" val="3104054636"/>
-      </p:ext>
-    </p:extLst>
-  </p:cSld>
-  <p:clrMapOvr>
-    <a:masterClrMapping/>
-  </p:clrMapOvr>
-</p:sld>
-</file>
-
-<file path=ppt/slides/slide11.xml><?xml version="1.0" encoding="utf-8"?>
-<p:sld xmlns:a="http://schemas.openxmlformats.org/drawingml/2006/main" xmlns:r="http://schemas.openxmlformats.org/officeDocument/2006/relationships" xmlns:p="http://schemas.openxmlformats.org/presentationml/2006/main">
-  <p:cSld>
-    <p:bg>
-      <p:bgPr>
-        <a:blipFill>
-          <a:blip r:embed="rId2"/>
-          <a:stretch/>
-        </a:blipFill>
-        <a:effectLst/>
-      </p:bgPr>
-    </p:bg>
-    <p:spTree>
-      <p:nvGrpSpPr>
-        <p:cNvPr id="1" name=""/>
-        <p:cNvGrpSpPr/>
-        <p:nvPr/>
-      </p:nvGrpSpPr>
-      <p:grpSpPr>
-        <a:xfrm>
-          <a:off x="0" y="0"/>
-          <a:ext cx="0" cy="0"/>
-          <a:chOff x="0" y="0"/>
-          <a:chExt cx="0" cy="0"/>
-        </a:xfrm>
-      </p:grpSpPr>
-      <p:pic>
-        <p:nvPicPr>
-          <p:cNvPr id="23" name="Picture 6">
-            <a:extLst>
-              <a:ext uri="{FF2B5EF4-FFF2-40B4-BE49-F238E27FC236}">
-                <a16:creationId xmlns:a16="http://schemas.microsoft.com/office/drawing/2014/main" id="{18BD78ED-75E1-4879-B369-BC61F7C45E22}"/>
-              </a:ext>
-              <a:ext uri="{C183D7F6-B498-43B3-948B-1728B52AA6E4}">
-                <adec:decorative xmlns:adec="http://schemas.microsoft.com/office/drawing/2017/decorative" val="1"/>
-              </a:ext>
-            </a:extLst>
-          </p:cNvPr>
-          <p:cNvPicPr>
-            <a:picLocks noGrp="1" noRot="1" noChangeAspect="1" noMove="1" noResize="1" noEditPoints="1" noAdjustHandles="1" noChangeArrowheads="1" noChangeShapeType="1" noCrop="1"/>
-          </p:cNvPicPr>
-          <p:nvPr>
-            <p:extLst>
-              <p:ext uri="{386F3935-93C4-4BCD-93E2-E3B085C9AB24}">
-                <p16:designElem xmlns:p16="http://schemas.microsoft.com/office/powerpoint/2015/main" val="1"/>
-              </p:ext>
-            </p:extLst>
-          </p:nvPr>
-        </p:nvPicPr>
-        <p:blipFill>
-          <a:blip r:embed="rId3">
-            <a:extLst>
-              <a:ext uri="{28A0092B-C50C-407E-A947-70E740481C1C}">
-                <a14:useLocalDpi xmlns:a14="http://schemas.microsoft.com/office/drawing/2010/main" val="0"/>
-              </a:ext>
-            </a:extLst>
-          </a:blip>
-          <a:stretch>
-            <a:fillRect/>
-          </a:stretch>
-        </p:blipFill>
-        <p:spPr>
-          <a:xfrm>
-            <a:off x="0" y="0"/>
-            <a:ext cx="12188825" cy="6856214"/>
-          </a:xfrm>
-          <a:prstGeom prst="rect">
-            <a:avLst/>
-          </a:prstGeom>
-        </p:spPr>
-      </p:pic>
-      <p:sp useBgFill="1">
-        <p:nvSpPr>
-          <p:cNvPr id="24" name="Rectangle 8">
-            <a:extLst>
-              <a:ext uri="{FF2B5EF4-FFF2-40B4-BE49-F238E27FC236}">
-                <a16:creationId xmlns:a16="http://schemas.microsoft.com/office/drawing/2014/main" id="{3D1E5586-8BB5-40F6-96C3-2E87DD7CE5CD}"/>
-              </a:ext>
-              <a:ext uri="{C183D7F6-B498-43B3-948B-1728B52AA6E4}">
-                <adec:decorative xmlns:adec="http://schemas.microsoft.com/office/drawing/2017/decorative" val="1"/>
-              </a:ext>
-            </a:extLst>
-          </p:cNvPr>
-          <p:cNvSpPr>
-            <a:spLocks noGrp="1" noRot="1" noChangeAspect="1" noMove="1" noResize="1" noEditPoints="1" noAdjustHandles="1" noChangeArrowheads="1" noChangeShapeType="1" noTextEdit="1"/>
-          </p:cNvSpPr>
-          <p:nvPr>
-            <p:extLst>
-              <p:ext uri="{386F3935-93C4-4BCD-93E2-E3B085C9AB24}">
-                <p16:designElem xmlns:p16="http://schemas.microsoft.com/office/powerpoint/2015/main" val="1"/>
-              </p:ext>
-            </p:extLst>
-          </p:nvPr>
-        </p:nvSpPr>
-        <p:spPr>
-          <a:xfrm>
-            <a:off x="0" y="0"/>
-            <a:ext cx="12192000" cy="6858000"/>
-          </a:xfrm>
-          <a:prstGeom prst="rect">
-            <a:avLst/>
-          </a:prstGeom>
-          <a:ln>
-            <a:noFill/>
-          </a:ln>
-        </p:spPr>
-        <p:style>
-          <a:lnRef idx="2">
-            <a:schemeClr val="accent1">
-              <a:shade val="50000"/>
-            </a:schemeClr>
-          </a:lnRef>
-          <a:fillRef idx="1">
-            <a:schemeClr val="accent1"/>
-          </a:fillRef>
-          <a:effectRef idx="0">
-            <a:schemeClr val="accent1"/>
-          </a:effectRef>
-          <a:fontRef idx="minor">
-            <a:schemeClr val="lt1"/>
-          </a:fontRef>
-        </p:style>
-        <p:txBody>
-          <a:bodyPr rtlCol="0" anchor="ctr"/>
-          <a:lstStyle/>
-          <a:p>
-            <a:pPr algn="ctr"/>
-            <a:endParaRPr lang="en-US"/>
-          </a:p>
-        </p:txBody>
-      </p:sp>
-      <p:sp>
-        <p:nvSpPr>
-          <p:cNvPr id="2" name="Title 1">
-            <a:extLst>
-              <a:ext uri="{FF2B5EF4-FFF2-40B4-BE49-F238E27FC236}">
-                <a16:creationId xmlns:a16="http://schemas.microsoft.com/office/drawing/2014/main" id="{7C70C265-2288-E1A8-09A1-9D59E121A171}"/>
-              </a:ext>
-            </a:extLst>
-          </p:cNvPr>
-          <p:cNvSpPr>
-            <a:spLocks noGrp="1"/>
-          </p:cNvSpPr>
-          <p:nvPr>
-            <p:ph type="title"/>
-          </p:nvPr>
-        </p:nvSpPr>
-        <p:spPr>
-          <a:xfrm>
-            <a:off x="1993805" y="1354668"/>
-            <a:ext cx="8204391" cy="2346475"/>
-          </a:xfrm>
-        </p:spPr>
-        <p:txBody>
-          <a:bodyPr vert="horz" lIns="91440" tIns="45720" rIns="91440" bIns="45720" rtlCol="0" anchor="b">
-            <a:normAutofit/>
-          </a:bodyPr>
-          <a:lstStyle/>
-          <a:p>
-            <a:pPr algn="ctr"/>
-            <a:r>
-              <a:rPr lang="en-US" sz="6000"/>
-              <a:t>See you next time!</a:t>
-            </a:r>
-          </a:p>
-        </p:txBody>
-      </p:sp>
-      <p:cxnSp>
-        <p:nvCxnSpPr>
-          <p:cNvPr id="25" name="Straight Connector 10">
-            <a:extLst>
-              <a:ext uri="{FF2B5EF4-FFF2-40B4-BE49-F238E27FC236}">
-                <a16:creationId xmlns:a16="http://schemas.microsoft.com/office/drawing/2014/main" id="{8A832D40-B9E2-4CE7-9E0A-B35591EA2035}"/>
-              </a:ext>
-              <a:ext uri="{C183D7F6-B498-43B3-948B-1728B52AA6E4}">
-                <adec:decorative xmlns:adec="http://schemas.microsoft.com/office/drawing/2017/decorative" val="1"/>
-              </a:ext>
-            </a:extLst>
-          </p:cNvPr>
-          <p:cNvCxnSpPr>
-            <a:cxnSpLocks noGrp="1" noRot="1" noChangeAspect="1" noMove="1" noResize="1" noEditPoints="1" noAdjustHandles="1" noChangeArrowheads="1" noChangeShapeType="1"/>
-          </p:cNvCxnSpPr>
-          <p:nvPr>
-            <p:extLst>
-              <p:ext uri="{386F3935-93C4-4BCD-93E2-E3B085C9AB24}">
-                <p16:designElem xmlns:p16="http://schemas.microsoft.com/office/powerpoint/2015/main" val="1"/>
-              </p:ext>
-            </p:extLst>
-          </p:nvPr>
-        </p:nvCxnSpPr>
-        <p:spPr>
-          <a:xfrm>
-            <a:off x="5845629" y="3810000"/>
-            <a:ext cx="500743" cy="0"/>
-          </a:xfrm>
-          <a:prstGeom prst="line">
-            <a:avLst/>
-          </a:prstGeom>
-          <a:ln w="19050"/>
-        </p:spPr>
-        <p:style>
-          <a:lnRef idx="1">
-            <a:schemeClr val="accent1"/>
-          </a:lnRef>
-          <a:fillRef idx="0">
-            <a:schemeClr val="accent1"/>
-          </a:fillRef>
-          <a:effectRef idx="0">
-            <a:schemeClr val="accent1"/>
-          </a:effectRef>
-          <a:fontRef idx="minor">
-            <a:schemeClr val="tx1"/>
-          </a:fontRef>
-        </p:style>
-      </p:cxnSp>
-    </p:spTree>
-    <p:extLst>
-      <p:ext uri="{BB962C8B-B14F-4D97-AF65-F5344CB8AC3E}">
-        <p14:creationId xmlns:p14="http://schemas.microsoft.com/office/powerpoint/2010/main" val="3451560091"/>
-      </p:ext>
-    </p:extLst>
-  </p:cSld>
-  <p:clrMapOvr>
-    <a:masterClrMapping/>
   </p:clrMapOvr>
 </p:sld>
 </file>
@@ -20024,45 +19539,6 @@
           <a:bodyPr/>
           <a:lstStyle/>
           <a:p>
-            <a:r>
-              <a:rPr lang="en-US" dirty="0"/>
-              <a:t>Cache</a:t>
-            </a:r>
-          </a:p>
-          <a:p>
-            <a:pPr lvl="1"/>
-            <a:r>
-              <a:rPr lang="en-US" dirty="0"/>
-              <a:t>A small portion of RAM set aside for temporary storage for frequently accessed data</a:t>
-            </a:r>
-          </a:p>
-          <a:p>
-            <a:r>
-              <a:rPr lang="en-US" dirty="0"/>
-              <a:t>Process Register</a:t>
-            </a:r>
-          </a:p>
-          <a:p>
-            <a:pPr lvl="1"/>
-            <a:r>
-              <a:rPr lang="en-US" dirty="0"/>
-              <a:t>A quickly accessible location available to a computer processor</a:t>
-            </a:r>
-          </a:p>
-          <a:p>
-            <a:r>
-              <a:rPr lang="en-US" dirty="0"/>
-              <a:t>Heap &amp; Stack</a:t>
-            </a:r>
-          </a:p>
-          <a:p>
-            <a:pPr lvl="1"/>
-            <a:r>
-              <a:rPr lang="en-US" dirty="0"/>
-              <a:t>Memory management methods </a:t>
-            </a:r>
-          </a:p>
-          <a:p>
             <a:pPr lvl="1"/>
             <a:endParaRPr lang="en-US" dirty="0"/>
           </a:p>
@@ -20082,250 +19558,6 @@
 </file>
 
 <file path=ppt/slides/slide5.xml><?xml version="1.0" encoding="utf-8"?>
-<p:sld xmlns:a="http://schemas.openxmlformats.org/drawingml/2006/main" xmlns:r="http://schemas.openxmlformats.org/officeDocument/2006/relationships" xmlns:p="http://schemas.openxmlformats.org/presentationml/2006/main">
-  <p:cSld>
-    <p:spTree>
-      <p:nvGrpSpPr>
-        <p:cNvPr id="1" name=""/>
-        <p:cNvGrpSpPr/>
-        <p:nvPr/>
-      </p:nvGrpSpPr>
-      <p:grpSpPr>
-        <a:xfrm>
-          <a:off x="0" y="0"/>
-          <a:ext cx="0" cy="0"/>
-          <a:chOff x="0" y="0"/>
-          <a:chExt cx="0" cy="0"/>
-        </a:xfrm>
-      </p:grpSpPr>
-      <p:sp>
-        <p:nvSpPr>
-          <p:cNvPr id="2" name="Title 1">
-            <a:extLst>
-              <a:ext uri="{FF2B5EF4-FFF2-40B4-BE49-F238E27FC236}">
-                <a16:creationId xmlns:a16="http://schemas.microsoft.com/office/drawing/2014/main" id="{2FD098B1-0412-424E-49DE-3F80E7AA8349}"/>
-              </a:ext>
-            </a:extLst>
-          </p:cNvPr>
-          <p:cNvSpPr>
-            <a:spLocks noGrp="1"/>
-          </p:cNvSpPr>
-          <p:nvPr>
-            <p:ph type="title"/>
-          </p:nvPr>
-        </p:nvSpPr>
-        <p:spPr/>
-        <p:txBody>
-          <a:bodyPr>
-            <a:normAutofit/>
-          </a:bodyPr>
-          <a:lstStyle/>
-          <a:p>
-            <a:r>
-              <a:rPr lang="en-US" dirty="0"/>
-              <a:t>The Software Development Life Cycle</a:t>
-            </a:r>
-          </a:p>
-        </p:txBody>
-      </p:sp>
-      <p:sp>
-        <p:nvSpPr>
-          <p:cNvPr id="3" name="Text Placeholder 2">
-            <a:extLst>
-              <a:ext uri="{FF2B5EF4-FFF2-40B4-BE49-F238E27FC236}">
-                <a16:creationId xmlns:a16="http://schemas.microsoft.com/office/drawing/2014/main" id="{9E791FFB-9F3B-75BA-D539-11E5BAB941EF}"/>
-              </a:ext>
-            </a:extLst>
-          </p:cNvPr>
-          <p:cNvSpPr>
-            <a:spLocks noGrp="1"/>
-          </p:cNvSpPr>
-          <p:nvPr>
-            <p:ph type="body" idx="1"/>
-          </p:nvPr>
-        </p:nvSpPr>
-        <p:spPr/>
-        <p:txBody>
-          <a:bodyPr/>
-          <a:lstStyle/>
-          <a:p>
-            <a:endParaRPr lang="en-US"/>
-          </a:p>
-        </p:txBody>
-      </p:sp>
-    </p:spTree>
-    <p:extLst>
-      <p:ext uri="{BB962C8B-B14F-4D97-AF65-F5344CB8AC3E}">
-        <p14:creationId xmlns:p14="http://schemas.microsoft.com/office/powerpoint/2010/main" val="3076984293"/>
-      </p:ext>
-    </p:extLst>
-  </p:cSld>
-  <p:clrMapOvr>
-    <a:masterClrMapping/>
-  </p:clrMapOvr>
-</p:sld>
-</file>
-
-<file path=ppt/slides/slide6.xml><?xml version="1.0" encoding="utf-8"?>
-<p:sld xmlns:a="http://schemas.openxmlformats.org/drawingml/2006/main" xmlns:r="http://schemas.openxmlformats.org/officeDocument/2006/relationships" xmlns:p="http://schemas.openxmlformats.org/presentationml/2006/main">
-  <p:cSld>
-    <p:spTree>
-      <p:nvGrpSpPr>
-        <p:cNvPr id="1" name=""/>
-        <p:cNvGrpSpPr/>
-        <p:nvPr/>
-      </p:nvGrpSpPr>
-      <p:grpSpPr>
-        <a:xfrm>
-          <a:off x="0" y="0"/>
-          <a:ext cx="0" cy="0"/>
-          <a:chOff x="0" y="0"/>
-          <a:chExt cx="0" cy="0"/>
-        </a:xfrm>
-      </p:grpSpPr>
-      <p:sp>
-        <p:nvSpPr>
-          <p:cNvPr id="2" name="Title 1">
-            <a:extLst>
-              <a:ext uri="{FF2B5EF4-FFF2-40B4-BE49-F238E27FC236}">
-                <a16:creationId xmlns:a16="http://schemas.microsoft.com/office/drawing/2014/main" id="{047B3247-CD57-A68D-86CB-226AD9D932CC}"/>
-              </a:ext>
-            </a:extLst>
-          </p:cNvPr>
-          <p:cNvSpPr>
-            <a:spLocks noGrp="1"/>
-          </p:cNvSpPr>
-          <p:nvPr>
-            <p:ph type="title"/>
-          </p:nvPr>
-        </p:nvSpPr>
-        <p:spPr/>
-        <p:txBody>
-          <a:bodyPr>
-            <a:normAutofit/>
-          </a:bodyPr>
-          <a:lstStyle/>
-          <a:p>
-            <a:r>
-              <a:rPr lang="en-US" dirty="0"/>
-              <a:t>What is the Software Development Life Cycle?</a:t>
-            </a:r>
-          </a:p>
-        </p:txBody>
-      </p:sp>
-      <p:sp>
-        <p:nvSpPr>
-          <p:cNvPr id="3" name="Content Placeholder 2">
-            <a:extLst>
-              <a:ext uri="{FF2B5EF4-FFF2-40B4-BE49-F238E27FC236}">
-                <a16:creationId xmlns:a16="http://schemas.microsoft.com/office/drawing/2014/main" id="{940F9860-AD79-8C22-AF4B-170D69ACC5C7}"/>
-              </a:ext>
-            </a:extLst>
-          </p:cNvPr>
-          <p:cNvSpPr>
-            <a:spLocks noGrp="1"/>
-          </p:cNvSpPr>
-          <p:nvPr>
-            <p:ph idx="1"/>
-          </p:nvPr>
-        </p:nvSpPr>
-        <p:spPr/>
-        <p:txBody>
-          <a:bodyPr/>
-          <a:lstStyle/>
-          <a:p>
-            <a:r>
-              <a:rPr lang="en-US" dirty="0"/>
-              <a:t>The SDLC helps us organize the process of building software</a:t>
-            </a:r>
-          </a:p>
-          <a:p>
-            <a:r>
-              <a:rPr lang="en-US" dirty="0"/>
-              <a:t>Includes steps for building, revising, and deploying software</a:t>
-            </a:r>
-          </a:p>
-          <a:p>
-            <a:r>
-              <a:rPr lang="en-US" dirty="0"/>
-              <a:t>Includes roles associated with each step along the building process</a:t>
-            </a:r>
-          </a:p>
-        </p:txBody>
-      </p:sp>
-    </p:spTree>
-    <p:extLst>
-      <p:ext uri="{BB962C8B-B14F-4D97-AF65-F5344CB8AC3E}">
-        <p14:creationId xmlns:p14="http://schemas.microsoft.com/office/powerpoint/2010/main" val="2158119916"/>
-      </p:ext>
-    </p:extLst>
-  </p:cSld>
-  <p:clrMapOvr>
-    <a:masterClrMapping/>
-  </p:clrMapOvr>
-</p:sld>
-</file>
-
-<file path=ppt/slides/slide7.xml><?xml version="1.0" encoding="utf-8"?>
-<p:sld xmlns:a="http://schemas.openxmlformats.org/drawingml/2006/main" xmlns:r="http://schemas.openxmlformats.org/officeDocument/2006/relationships" xmlns:p="http://schemas.openxmlformats.org/presentationml/2006/main">
-  <p:cSld>
-    <p:spTree>
-      <p:nvGrpSpPr>
-        <p:cNvPr id="1" name=""/>
-        <p:cNvGrpSpPr/>
-        <p:nvPr/>
-      </p:nvGrpSpPr>
-      <p:grpSpPr>
-        <a:xfrm>
-          <a:off x="0" y="0"/>
-          <a:ext cx="0" cy="0"/>
-          <a:chOff x="0" y="0"/>
-          <a:chExt cx="0" cy="0"/>
-        </a:xfrm>
-      </p:grpSpPr>
-      <p:pic>
-        <p:nvPicPr>
-          <p:cNvPr id="5" name="Picture 4" descr="Diagram&#10;&#10;Description automatically generated">
-            <a:extLst>
-              <a:ext uri="{FF2B5EF4-FFF2-40B4-BE49-F238E27FC236}">
-                <a16:creationId xmlns:a16="http://schemas.microsoft.com/office/drawing/2014/main" id="{F3984BEE-FE8D-EB37-FE61-BB680A777FD7}"/>
-              </a:ext>
-            </a:extLst>
-          </p:cNvPr>
-          <p:cNvPicPr>
-            <a:picLocks noChangeAspect="1"/>
-          </p:cNvPicPr>
-          <p:nvPr/>
-        </p:nvPicPr>
-        <p:blipFill rotWithShape="1">
-          <a:blip r:embed="rId3"/>
-          <a:srcRect l="8206" r="5127" b="-1"/>
-          <a:stretch/>
-        </p:blipFill>
-        <p:spPr>
-          <a:xfrm>
-            <a:off x="20" y="10"/>
-            <a:ext cx="12191980" cy="6857990"/>
-          </a:xfrm>
-          <a:prstGeom prst="rect">
-            <a:avLst/>
-          </a:prstGeom>
-        </p:spPr>
-      </p:pic>
-    </p:spTree>
-    <p:extLst>
-      <p:ext uri="{BB962C8B-B14F-4D97-AF65-F5344CB8AC3E}">
-        <p14:creationId xmlns:p14="http://schemas.microsoft.com/office/powerpoint/2010/main" val="3028504148"/>
-      </p:ext>
-    </p:extLst>
-  </p:cSld>
-  <p:clrMapOvr>
-    <a:masterClrMapping/>
-  </p:clrMapOvr>
-</p:sld>
-</file>
-
-<file path=ppt/slides/slide8.xml><?xml version="1.0" encoding="utf-8"?>
 <p:sld xmlns:a="http://schemas.openxmlformats.org/drawingml/2006/main" xmlns:r="http://schemas.openxmlformats.org/officeDocument/2006/relationships" xmlns:p="http://schemas.openxmlformats.org/presentationml/2006/main">
   <p:cSld>
     <p:bg>
@@ -20427,7 +19659,7 @@
 </p:sld>
 </file>
 
-<file path=ppt/slides/slide9.xml><?xml version="1.0" encoding="utf-8"?>
+<file path=ppt/slides/slide6.xml><?xml version="1.0" encoding="utf-8"?>
 <p:sld xmlns:a="http://schemas.openxmlformats.org/drawingml/2006/main" xmlns:r="http://schemas.openxmlformats.org/officeDocument/2006/relationships" xmlns:p="http://schemas.openxmlformats.org/presentationml/2006/main">
   <p:cSld>
     <p:bg>
@@ -20537,6 +19769,352 @@
     <p:extLst>
       <p:ext uri="{BB962C8B-B14F-4D97-AF65-F5344CB8AC3E}">
         <p14:creationId xmlns:p14="http://schemas.microsoft.com/office/powerpoint/2010/main" val="370590328"/>
+      </p:ext>
+    </p:extLst>
+  </p:cSld>
+  <p:clrMapOvr>
+    <a:masterClrMapping/>
+  </p:clrMapOvr>
+</p:sld>
+</file>
+
+<file path=ppt/slides/slide7.xml><?xml version="1.0" encoding="utf-8"?>
+<p:sld xmlns:a="http://schemas.openxmlformats.org/drawingml/2006/main" xmlns:r="http://schemas.openxmlformats.org/officeDocument/2006/relationships" xmlns:p="http://schemas.openxmlformats.org/presentationml/2006/main">
+  <p:cSld>
+    <p:bg>
+      <p:bgPr>
+        <a:solidFill>
+          <a:schemeClr val="bg1">
+            <a:lumMod val="95000"/>
+          </a:schemeClr>
+        </a:solidFill>
+        <a:effectLst/>
+      </p:bgPr>
+    </p:bg>
+    <p:spTree>
+      <p:nvGrpSpPr>
+        <p:cNvPr id="1" name=""/>
+        <p:cNvGrpSpPr/>
+        <p:nvPr/>
+      </p:nvGrpSpPr>
+      <p:grpSpPr>
+        <a:xfrm>
+          <a:off x="0" y="0"/>
+          <a:ext cx="0" cy="0"/>
+          <a:chOff x="0" y="0"/>
+          <a:chExt cx="0" cy="0"/>
+        </a:xfrm>
+      </p:grpSpPr>
+      <p:pic>
+        <p:nvPicPr>
+          <p:cNvPr id="6" name="Picture 3" descr="Background pattern&#10;&#10;Description automatically generated">
+            <a:extLst>
+              <a:ext uri="{FF2B5EF4-FFF2-40B4-BE49-F238E27FC236}">
+                <a16:creationId xmlns:a16="http://schemas.microsoft.com/office/drawing/2014/main" id="{D32171E9-270F-BA0C-17D9-9525FB89BC77}"/>
+              </a:ext>
+            </a:extLst>
+          </p:cNvPr>
+          <p:cNvPicPr>
+            <a:picLocks noChangeAspect="1"/>
+          </p:cNvPicPr>
+          <p:nvPr/>
+        </p:nvPicPr>
+        <p:blipFill rotWithShape="1">
+          <a:blip r:embed="rId2"/>
+          <a:srcRect t="3334" b="12397"/>
+          <a:stretch/>
+        </p:blipFill>
+        <p:spPr>
+          <a:xfrm>
+            <a:off x="20" y="10"/>
+            <a:ext cx="12191980" cy="6857990"/>
+          </a:xfrm>
+          <a:prstGeom prst="rect">
+            <a:avLst/>
+          </a:prstGeom>
+        </p:spPr>
+      </p:pic>
+      <p:sp>
+        <p:nvSpPr>
+          <p:cNvPr id="2" name="Title 1">
+            <a:extLst>
+              <a:ext uri="{FF2B5EF4-FFF2-40B4-BE49-F238E27FC236}">
+                <a16:creationId xmlns:a16="http://schemas.microsoft.com/office/drawing/2014/main" id="{B963730F-E840-E5E0-87C0-65F532F962AC}"/>
+              </a:ext>
+            </a:extLst>
+          </p:cNvPr>
+          <p:cNvSpPr>
+            <a:spLocks noGrp="1"/>
+          </p:cNvSpPr>
+          <p:nvPr>
+            <p:ph type="title"/>
+          </p:nvPr>
+        </p:nvSpPr>
+        <p:spPr>
+          <a:xfrm>
+            <a:off x="1601724" y="2606040"/>
+            <a:ext cx="8988552" cy="1645920"/>
+          </a:xfrm>
+          <a:solidFill>
+            <a:srgbClr val="000000">
+              <a:alpha val="70000"/>
+            </a:srgbClr>
+          </a:solidFill>
+          <a:ln>
+            <a:solidFill>
+              <a:srgbClr val="FFFFFF"/>
+            </a:solidFill>
+          </a:ln>
+        </p:spPr>
+        <p:txBody>
+          <a:bodyPr>
+            <a:normAutofit/>
+          </a:bodyPr>
+          <a:lstStyle/>
+          <a:p>
+            <a:r>
+              <a:rPr lang="en-US" sz="3800">
+                <a:solidFill>
+                  <a:srgbClr val="FFFFFF"/>
+                </a:solidFill>
+              </a:rPr>
+              <a:t>Preview day 3</a:t>
+            </a:r>
+          </a:p>
+        </p:txBody>
+      </p:sp>
+    </p:spTree>
+    <p:extLst>
+      <p:ext uri="{BB962C8B-B14F-4D97-AF65-F5344CB8AC3E}">
+        <p14:creationId xmlns:p14="http://schemas.microsoft.com/office/powerpoint/2010/main" val="3104054636"/>
+      </p:ext>
+    </p:extLst>
+  </p:cSld>
+  <p:clrMapOvr>
+    <a:masterClrMapping/>
+  </p:clrMapOvr>
+</p:sld>
+</file>
+
+<file path=ppt/slides/slide8.xml><?xml version="1.0" encoding="utf-8"?>
+<p:sld xmlns:a="http://schemas.openxmlformats.org/drawingml/2006/main" xmlns:r="http://schemas.openxmlformats.org/officeDocument/2006/relationships" xmlns:p="http://schemas.openxmlformats.org/presentationml/2006/main">
+  <p:cSld>
+    <p:bg>
+      <p:bgPr>
+        <a:blipFill>
+          <a:blip r:embed="rId2"/>
+          <a:stretch/>
+        </a:blipFill>
+        <a:effectLst/>
+      </p:bgPr>
+    </p:bg>
+    <p:spTree>
+      <p:nvGrpSpPr>
+        <p:cNvPr id="1" name=""/>
+        <p:cNvGrpSpPr/>
+        <p:nvPr/>
+      </p:nvGrpSpPr>
+      <p:grpSpPr>
+        <a:xfrm>
+          <a:off x="0" y="0"/>
+          <a:ext cx="0" cy="0"/>
+          <a:chOff x="0" y="0"/>
+          <a:chExt cx="0" cy="0"/>
+        </a:xfrm>
+      </p:grpSpPr>
+      <p:pic>
+        <p:nvPicPr>
+          <p:cNvPr id="23" name="Picture 6">
+            <a:extLst>
+              <a:ext uri="{FF2B5EF4-FFF2-40B4-BE49-F238E27FC236}">
+                <a16:creationId xmlns:a16="http://schemas.microsoft.com/office/drawing/2014/main" id="{18BD78ED-75E1-4879-B369-BC61F7C45E22}"/>
+              </a:ext>
+              <a:ext uri="{C183D7F6-B498-43B3-948B-1728B52AA6E4}">
+                <adec:decorative xmlns:adec="http://schemas.microsoft.com/office/drawing/2017/decorative" val="1"/>
+              </a:ext>
+            </a:extLst>
+          </p:cNvPr>
+          <p:cNvPicPr>
+            <a:picLocks noGrp="1" noRot="1" noChangeAspect="1" noMove="1" noResize="1" noEditPoints="1" noAdjustHandles="1" noChangeArrowheads="1" noChangeShapeType="1" noCrop="1"/>
+          </p:cNvPicPr>
+          <p:nvPr>
+            <p:extLst>
+              <p:ext uri="{386F3935-93C4-4BCD-93E2-E3B085C9AB24}">
+                <p16:designElem xmlns:p16="http://schemas.microsoft.com/office/powerpoint/2015/main" val="1"/>
+              </p:ext>
+            </p:extLst>
+          </p:nvPr>
+        </p:nvPicPr>
+        <p:blipFill>
+          <a:blip r:embed="rId3">
+            <a:extLst>
+              <a:ext uri="{28A0092B-C50C-407E-A947-70E740481C1C}">
+                <a14:useLocalDpi xmlns:a14="http://schemas.microsoft.com/office/drawing/2010/main" val="0"/>
+              </a:ext>
+            </a:extLst>
+          </a:blip>
+          <a:stretch>
+            <a:fillRect/>
+          </a:stretch>
+        </p:blipFill>
+        <p:spPr>
+          <a:xfrm>
+            <a:off x="0" y="0"/>
+            <a:ext cx="12188825" cy="6856214"/>
+          </a:xfrm>
+          <a:prstGeom prst="rect">
+            <a:avLst/>
+          </a:prstGeom>
+        </p:spPr>
+      </p:pic>
+      <p:sp useBgFill="1">
+        <p:nvSpPr>
+          <p:cNvPr id="24" name="Rectangle 8">
+            <a:extLst>
+              <a:ext uri="{FF2B5EF4-FFF2-40B4-BE49-F238E27FC236}">
+                <a16:creationId xmlns:a16="http://schemas.microsoft.com/office/drawing/2014/main" id="{3D1E5586-8BB5-40F6-96C3-2E87DD7CE5CD}"/>
+              </a:ext>
+              <a:ext uri="{C183D7F6-B498-43B3-948B-1728B52AA6E4}">
+                <adec:decorative xmlns:adec="http://schemas.microsoft.com/office/drawing/2017/decorative" val="1"/>
+              </a:ext>
+            </a:extLst>
+          </p:cNvPr>
+          <p:cNvSpPr>
+            <a:spLocks noGrp="1" noRot="1" noChangeAspect="1" noMove="1" noResize="1" noEditPoints="1" noAdjustHandles="1" noChangeArrowheads="1" noChangeShapeType="1" noTextEdit="1"/>
+          </p:cNvSpPr>
+          <p:nvPr>
+            <p:extLst>
+              <p:ext uri="{386F3935-93C4-4BCD-93E2-E3B085C9AB24}">
+                <p16:designElem xmlns:p16="http://schemas.microsoft.com/office/powerpoint/2015/main" val="1"/>
+              </p:ext>
+            </p:extLst>
+          </p:nvPr>
+        </p:nvSpPr>
+        <p:spPr>
+          <a:xfrm>
+            <a:off x="0" y="0"/>
+            <a:ext cx="12192000" cy="6858000"/>
+          </a:xfrm>
+          <a:prstGeom prst="rect">
+            <a:avLst/>
+          </a:prstGeom>
+          <a:ln>
+            <a:noFill/>
+          </a:ln>
+        </p:spPr>
+        <p:style>
+          <a:lnRef idx="2">
+            <a:schemeClr val="accent1">
+              <a:shade val="50000"/>
+            </a:schemeClr>
+          </a:lnRef>
+          <a:fillRef idx="1">
+            <a:schemeClr val="accent1"/>
+          </a:fillRef>
+          <a:effectRef idx="0">
+            <a:schemeClr val="accent1"/>
+          </a:effectRef>
+          <a:fontRef idx="minor">
+            <a:schemeClr val="lt1"/>
+          </a:fontRef>
+        </p:style>
+        <p:txBody>
+          <a:bodyPr rtlCol="0" anchor="ctr"/>
+          <a:lstStyle/>
+          <a:p>
+            <a:pPr algn="ctr"/>
+            <a:endParaRPr lang="en-US"/>
+          </a:p>
+        </p:txBody>
+      </p:sp>
+      <p:sp>
+        <p:nvSpPr>
+          <p:cNvPr id="2" name="Title 1">
+            <a:extLst>
+              <a:ext uri="{FF2B5EF4-FFF2-40B4-BE49-F238E27FC236}">
+                <a16:creationId xmlns:a16="http://schemas.microsoft.com/office/drawing/2014/main" id="{7C70C265-2288-E1A8-09A1-9D59E121A171}"/>
+              </a:ext>
+            </a:extLst>
+          </p:cNvPr>
+          <p:cNvSpPr>
+            <a:spLocks noGrp="1"/>
+          </p:cNvSpPr>
+          <p:nvPr>
+            <p:ph type="title"/>
+          </p:nvPr>
+        </p:nvSpPr>
+        <p:spPr>
+          <a:xfrm>
+            <a:off x="1993805" y="1354668"/>
+            <a:ext cx="8204391" cy="2346475"/>
+          </a:xfrm>
+        </p:spPr>
+        <p:txBody>
+          <a:bodyPr vert="horz" lIns="91440" tIns="45720" rIns="91440" bIns="45720" rtlCol="0" anchor="b">
+            <a:normAutofit/>
+          </a:bodyPr>
+          <a:lstStyle/>
+          <a:p>
+            <a:pPr algn="ctr"/>
+            <a:r>
+              <a:rPr lang="en-US" sz="6000"/>
+              <a:t>See you next time!</a:t>
+            </a:r>
+          </a:p>
+        </p:txBody>
+      </p:sp>
+      <p:cxnSp>
+        <p:nvCxnSpPr>
+          <p:cNvPr id="25" name="Straight Connector 10">
+            <a:extLst>
+              <a:ext uri="{FF2B5EF4-FFF2-40B4-BE49-F238E27FC236}">
+                <a16:creationId xmlns:a16="http://schemas.microsoft.com/office/drawing/2014/main" id="{8A832D40-B9E2-4CE7-9E0A-B35591EA2035}"/>
+              </a:ext>
+              <a:ext uri="{C183D7F6-B498-43B3-948B-1728B52AA6E4}">
+                <adec:decorative xmlns:adec="http://schemas.microsoft.com/office/drawing/2017/decorative" val="1"/>
+              </a:ext>
+            </a:extLst>
+          </p:cNvPr>
+          <p:cNvCxnSpPr>
+            <a:cxnSpLocks noGrp="1" noRot="1" noChangeAspect="1" noMove="1" noResize="1" noEditPoints="1" noAdjustHandles="1" noChangeArrowheads="1" noChangeShapeType="1"/>
+          </p:cNvCxnSpPr>
+          <p:nvPr>
+            <p:extLst>
+              <p:ext uri="{386F3935-93C4-4BCD-93E2-E3B085C9AB24}">
+                <p16:designElem xmlns:p16="http://schemas.microsoft.com/office/powerpoint/2015/main" val="1"/>
+              </p:ext>
+            </p:extLst>
+          </p:nvPr>
+        </p:nvCxnSpPr>
+        <p:spPr>
+          <a:xfrm>
+            <a:off x="5845629" y="3810000"/>
+            <a:ext cx="500743" cy="0"/>
+          </a:xfrm>
+          <a:prstGeom prst="line">
+            <a:avLst/>
+          </a:prstGeom>
+          <a:ln w="19050"/>
+        </p:spPr>
+        <p:style>
+          <a:lnRef idx="1">
+            <a:schemeClr val="accent1"/>
+          </a:lnRef>
+          <a:fillRef idx="0">
+            <a:schemeClr val="accent1"/>
+          </a:fillRef>
+          <a:effectRef idx="0">
+            <a:schemeClr val="accent1"/>
+          </a:effectRef>
+          <a:fontRef idx="minor">
+            <a:schemeClr val="tx1"/>
+          </a:fontRef>
+        </p:style>
+      </p:cxnSp>
+    </p:spTree>
+    <p:extLst>
+      <p:ext uri="{BB962C8B-B14F-4D97-AF65-F5344CB8AC3E}">
+        <p14:creationId xmlns:p14="http://schemas.microsoft.com/office/powerpoint/2010/main" val="3451560091"/>
       </p:ext>
     </p:extLst>
   </p:cSld>

--- a/Class_Materials/Week_3/Day_1/ISBPM w3d1.pptx
+++ b/Class_Materials/Week_3/Day_1/ISBPM w3d1.pptx
@@ -144,7 +144,6 @@
 <p1510:revInfo xmlns:a="http://schemas.openxmlformats.org/drawingml/2006/main" xmlns:r="http://schemas.openxmlformats.org/officeDocument/2006/relationships" xmlns:p1510="http://schemas.microsoft.com/office/powerpoint/2015/10/main">
   <p1510:revLst>
     <p1510:client id="{67002AFB-16E7-4872-A597-832B63EBDEE2}" v="17" dt="2023-04-19T16:00:58.790"/>
-    <p1510:client id="{FFE10729-34CB-4213-AEC7-4192D394359E}" v="49" dt="2023-04-18T17:22:17.505"/>
   </p1510:revLst>
 </p1510:revInfo>
 </file>
@@ -2964,20 +2963,551 @@
     </pc:docChg>
   </pc:docChgLst>
   <pc:docChgLst>
-    <pc:chgData name="Emily Crose" userId="5a1598ef78992c55" providerId="LiveId" clId="{67002AFB-16E7-4872-A597-832B63EBDEE2}"/>
-    <pc:docChg chg="undo custSel addSld delSld modSld modMainMaster">
-      <pc:chgData name="Emily Crose" userId="5a1598ef78992c55" providerId="LiveId" clId="{67002AFB-16E7-4872-A597-832B63EBDEE2}" dt="2023-04-19T16:21:51.380" v="1739" actId="20577"/>
+    <pc:chgData name="Emily Crose" userId="5a1598ef78992c55" providerId="LiveId" clId="{ED9979D7-1D45-4F0D-9B2D-A971C5E0432B}"/>
+    <pc:docChg chg="undo custSel addSld modSld sldOrd">
+      <pc:chgData name="Emily Crose" userId="5a1598ef78992c55" providerId="LiveId" clId="{ED9979D7-1D45-4F0D-9B2D-A971C5E0432B}" dt="2023-04-12T12:01:44.112" v="273" actId="729"/>
       <pc:docMkLst>
         <pc:docMk/>
       </pc:docMkLst>
-      <pc:sldChg chg="addSp delSp modSp mod setBg delDesignElem">
-        <pc:chgData name="Emily Crose" userId="5a1598ef78992c55" providerId="LiveId" clId="{67002AFB-16E7-4872-A597-832B63EBDEE2}" dt="2023-04-19T15:26:21.936" v="277" actId="12"/>
+      <pc:sldChg chg="addSp delSp modSp mod setBg setClrOvrMap">
+        <pc:chgData name="Emily Crose" userId="5a1598ef78992c55" providerId="LiveId" clId="{ED9979D7-1D45-4F0D-9B2D-A971C5E0432B}" dt="2023-04-11T14:27:43.704" v="66" actId="26606"/>
+        <pc:sldMkLst>
+          <pc:docMk/>
+          <pc:sldMk cId="3327628599" sldId="277"/>
+        </pc:sldMkLst>
+        <pc:spChg chg="mod">
+          <ac:chgData name="Emily Crose" userId="5a1598ef78992c55" providerId="LiveId" clId="{ED9979D7-1D45-4F0D-9B2D-A971C5E0432B}" dt="2023-04-11T14:27:43.704" v="66" actId="26606"/>
+          <ac:spMkLst>
+            <pc:docMk/>
+            <pc:sldMk cId="3327628599" sldId="277"/>
+            <ac:spMk id="2" creationId="{DFF30967-E701-3259-3001-7D2A866904F3}"/>
+          </ac:spMkLst>
+        </pc:spChg>
+        <pc:spChg chg="del">
+          <ac:chgData name="Emily Crose" userId="5a1598ef78992c55" providerId="LiveId" clId="{ED9979D7-1D45-4F0D-9B2D-A971C5E0432B}" dt="2023-04-11T14:27:43.704" v="66" actId="26606"/>
+          <ac:spMkLst>
+            <pc:docMk/>
+            <pc:sldMk cId="3327628599" sldId="277"/>
+            <ac:spMk id="3" creationId="{37C96775-6F9D-FA87-A267-B80E8D8E1EEE}"/>
+          </ac:spMkLst>
+        </pc:spChg>
+        <pc:picChg chg="add">
+          <ac:chgData name="Emily Crose" userId="5a1598ef78992c55" providerId="LiveId" clId="{ED9979D7-1D45-4F0D-9B2D-A971C5E0432B}" dt="2023-04-11T14:27:43.704" v="66" actId="26606"/>
+          <ac:picMkLst>
+            <pc:docMk/>
+            <pc:sldMk cId="3327628599" sldId="277"/>
+            <ac:picMk id="5" creationId="{F81ADD84-7288-727C-CA23-176D9E73FA89}"/>
+          </ac:picMkLst>
+        </pc:picChg>
+      </pc:sldChg>
+      <pc:sldChg chg="addSp modSp mod setBg">
+        <pc:chgData name="Emily Crose" userId="5a1598ef78992c55" providerId="LiveId" clId="{ED9979D7-1D45-4F0D-9B2D-A971C5E0432B}" dt="2023-04-11T14:27:32.985" v="65" actId="26606"/>
+        <pc:sldMkLst>
+          <pc:docMk/>
+          <pc:sldMk cId="88950898" sldId="278"/>
+        </pc:sldMkLst>
+        <pc:spChg chg="mod">
+          <ac:chgData name="Emily Crose" userId="5a1598ef78992c55" providerId="LiveId" clId="{ED9979D7-1D45-4F0D-9B2D-A971C5E0432B}" dt="2023-04-11T14:27:32.985" v="65" actId="26606"/>
+          <ac:spMkLst>
+            <pc:docMk/>
+            <pc:sldMk cId="88950898" sldId="278"/>
+            <ac:spMk id="2" creationId="{8DA37B91-6151-7618-677F-619A4C395CE6}"/>
+          </ac:spMkLst>
+        </pc:spChg>
+        <pc:spChg chg="mod">
+          <ac:chgData name="Emily Crose" userId="5a1598ef78992c55" providerId="LiveId" clId="{ED9979D7-1D45-4F0D-9B2D-A971C5E0432B}" dt="2023-04-11T14:27:32.985" v="65" actId="26606"/>
+          <ac:spMkLst>
+            <pc:docMk/>
+            <pc:sldMk cId="88950898" sldId="278"/>
+            <ac:spMk id="3" creationId="{82E6FA26-DDE8-B023-2CEC-5647ECEE216E}"/>
+          </ac:spMkLst>
+        </pc:spChg>
+        <pc:picChg chg="add">
+          <ac:chgData name="Emily Crose" userId="5a1598ef78992c55" providerId="LiveId" clId="{ED9979D7-1D45-4F0D-9B2D-A971C5E0432B}" dt="2023-04-11T14:27:32.985" v="65" actId="26606"/>
+          <ac:picMkLst>
+            <pc:docMk/>
+            <pc:sldMk cId="88950898" sldId="278"/>
+            <ac:picMk id="5" creationId="{CFF1D7B3-C994-A89E-CF19-965631AF078F}"/>
+          </ac:picMkLst>
+        </pc:picChg>
+      </pc:sldChg>
+      <pc:sldChg chg="addSp delSp modSp mod setBg modClrScheme delDesignElem chgLayout">
+        <pc:chgData name="Emily Crose" userId="5a1598ef78992c55" providerId="LiveId" clId="{ED9979D7-1D45-4F0D-9B2D-A971C5E0432B}" dt="2023-04-11T15:01:15.354" v="159" actId="1076"/>
+        <pc:sldMkLst>
+          <pc:docMk/>
+          <pc:sldMk cId="1357691262" sldId="282"/>
+        </pc:sldMkLst>
+        <pc:spChg chg="add mod ord">
+          <ac:chgData name="Emily Crose" userId="5a1598ef78992c55" providerId="LiveId" clId="{ED9979D7-1D45-4F0D-9B2D-A971C5E0432B}" dt="2023-04-11T15:01:15.354" v="159" actId="1076"/>
+          <ac:spMkLst>
+            <pc:docMk/>
+            <pc:sldMk cId="1357691262" sldId="282"/>
+            <ac:spMk id="5" creationId="{ECCF6587-ED02-7EC9-A2E4-B84BB70C3F2D}"/>
+          </ac:spMkLst>
+        </pc:spChg>
+        <pc:spChg chg="add">
+          <ac:chgData name="Emily Crose" userId="5a1598ef78992c55" providerId="LiveId" clId="{ED9979D7-1D45-4F0D-9B2D-A971C5E0432B}" dt="2023-04-11T15:01:01.850" v="139" actId="26606"/>
+          <ac:spMkLst>
+            <pc:docMk/>
+            <pc:sldMk cId="1357691262" sldId="282"/>
+            <ac:spMk id="7" creationId="{5FA21C72-692C-49FD-9EB4-DDDDDEBD4BD6}"/>
+          </ac:spMkLst>
+        </pc:spChg>
+        <pc:spChg chg="del">
+          <ac:chgData name="Emily Crose" userId="5a1598ef78992c55" providerId="LiveId" clId="{ED9979D7-1D45-4F0D-9B2D-A971C5E0432B}" dt="2023-04-11T15:00:50.090" v="137" actId="26606"/>
+          <ac:spMkLst>
+            <pc:docMk/>
+            <pc:sldMk cId="1357691262" sldId="282"/>
+            <ac:spMk id="8" creationId="{EC7FF834-B204-4967-8D47-8BB36EAF0EF5}"/>
+          </ac:spMkLst>
+        </pc:spChg>
+        <pc:spChg chg="del">
+          <ac:chgData name="Emily Crose" userId="5a1598ef78992c55" providerId="LiveId" clId="{ED9979D7-1D45-4F0D-9B2D-A971C5E0432B}" dt="2023-04-11T15:00:50.090" v="137" actId="26606"/>
+          <ac:spMkLst>
+            <pc:docMk/>
+            <pc:sldMk cId="1357691262" sldId="282"/>
+            <ac:spMk id="10" creationId="{F780A22D-61EA-43E3-BD94-3E39CF902160}"/>
+          </ac:spMkLst>
+        </pc:spChg>
+        <pc:spChg chg="add">
+          <ac:chgData name="Emily Crose" userId="5a1598ef78992c55" providerId="LiveId" clId="{ED9979D7-1D45-4F0D-9B2D-A971C5E0432B}" dt="2023-04-11T15:01:01.850" v="139" actId="26606"/>
+          <ac:spMkLst>
+            <pc:docMk/>
+            <pc:sldMk cId="1357691262" sldId="282"/>
+            <ac:spMk id="12" creationId="{FBAF941A-6830-47A3-B63C-7C7B66AEA73B}"/>
+          </ac:spMkLst>
+        </pc:spChg>
+        <pc:spChg chg="add del">
+          <ac:chgData name="Emily Crose" userId="5a1598ef78992c55" providerId="LiveId" clId="{ED9979D7-1D45-4F0D-9B2D-A971C5E0432B}" dt="2023-04-11T15:01:00.018" v="138" actId="700"/>
+          <ac:spMkLst>
+            <pc:docMk/>
+            <pc:sldMk cId="1357691262" sldId="282"/>
+            <ac:spMk id="15" creationId="{5FA21C72-692C-49FD-9EB4-DDDDDEBD4BD6}"/>
+          </ac:spMkLst>
+        </pc:spChg>
+        <pc:spChg chg="add del">
+          <ac:chgData name="Emily Crose" userId="5a1598ef78992c55" providerId="LiveId" clId="{ED9979D7-1D45-4F0D-9B2D-A971C5E0432B}" dt="2023-04-11T15:01:00.018" v="138" actId="700"/>
+          <ac:spMkLst>
+            <pc:docMk/>
+            <pc:sldMk cId="1357691262" sldId="282"/>
+            <ac:spMk id="17" creationId="{FBAF941A-6830-47A3-B63C-7C7B66AEA73B}"/>
+          </ac:spMkLst>
+        </pc:spChg>
+        <pc:picChg chg="del">
+          <ac:chgData name="Emily Crose" userId="5a1598ef78992c55" providerId="LiveId" clId="{ED9979D7-1D45-4F0D-9B2D-A971C5E0432B}" dt="2023-04-11T15:00:38.185" v="133" actId="478"/>
+          <ac:picMkLst>
+            <pc:docMk/>
+            <pc:sldMk cId="1357691262" sldId="282"/>
+            <ac:picMk id="3" creationId="{310B20C3-821A-055B-A175-C5FC1BDAE15E}"/>
+          </ac:picMkLst>
+        </pc:picChg>
+        <pc:picChg chg="add mod">
+          <ac:chgData name="Emily Crose" userId="5a1598ef78992c55" providerId="LiveId" clId="{ED9979D7-1D45-4F0D-9B2D-A971C5E0432B}" dt="2023-04-11T15:00:50.090" v="137" actId="26606"/>
+          <ac:picMkLst>
+            <pc:docMk/>
+            <pc:sldMk cId="1357691262" sldId="282"/>
+            <ac:picMk id="4" creationId="{7ADF5970-B0BA-8B36-6B4C-F9AD2D7F1394}"/>
+          </ac:picMkLst>
+        </pc:picChg>
+      </pc:sldChg>
+      <pc:sldChg chg="addSp modSp mod setBg setClrOvrMap">
+        <pc:chgData name="Emily Crose" userId="5a1598ef78992c55" providerId="LiveId" clId="{ED9979D7-1D45-4F0D-9B2D-A971C5E0432B}" dt="2023-04-11T15:15:21.248" v="191" actId="26606"/>
+        <pc:sldMkLst>
+          <pc:docMk/>
+          <pc:sldMk cId="2500225662" sldId="283"/>
+        </pc:sldMkLst>
+        <pc:spChg chg="mod">
+          <ac:chgData name="Emily Crose" userId="5a1598ef78992c55" providerId="LiveId" clId="{ED9979D7-1D45-4F0D-9B2D-A971C5E0432B}" dt="2023-04-11T15:15:21.248" v="191" actId="26606"/>
+          <ac:spMkLst>
+            <pc:docMk/>
+            <pc:sldMk cId="2500225662" sldId="283"/>
+            <ac:spMk id="2" creationId="{58B9C2AC-F38E-1E06-B23E-8429343EB29B}"/>
+          </ac:spMkLst>
+        </pc:spChg>
+        <pc:spChg chg="mod">
+          <ac:chgData name="Emily Crose" userId="5a1598ef78992c55" providerId="LiveId" clId="{ED9979D7-1D45-4F0D-9B2D-A971C5E0432B}" dt="2023-04-11T15:15:21.248" v="191" actId="26606"/>
+          <ac:spMkLst>
+            <pc:docMk/>
+            <pc:sldMk cId="2500225662" sldId="283"/>
+            <ac:spMk id="3" creationId="{D592358E-4B1A-DD8C-3021-2354DF72711C}"/>
+          </ac:spMkLst>
+        </pc:spChg>
+        <pc:spChg chg="add">
+          <ac:chgData name="Emily Crose" userId="5a1598ef78992c55" providerId="LiveId" clId="{ED9979D7-1D45-4F0D-9B2D-A971C5E0432B}" dt="2023-04-11T15:15:21.248" v="191" actId="26606"/>
+          <ac:spMkLst>
+            <pc:docMk/>
+            <pc:sldMk cId="2500225662" sldId="283"/>
+            <ac:spMk id="10" creationId="{EC7FF834-B204-4967-8D47-8BB36EAF0EF5}"/>
+          </ac:spMkLst>
+        </pc:spChg>
+        <pc:spChg chg="add">
+          <ac:chgData name="Emily Crose" userId="5a1598ef78992c55" providerId="LiveId" clId="{ED9979D7-1D45-4F0D-9B2D-A971C5E0432B}" dt="2023-04-11T15:15:21.248" v="191" actId="26606"/>
+          <ac:spMkLst>
+            <pc:docMk/>
+            <pc:sldMk cId="2500225662" sldId="283"/>
+            <ac:spMk id="12" creationId="{F780A22D-61EA-43E3-BD94-3E39CF902160}"/>
+          </ac:spMkLst>
+        </pc:spChg>
+        <pc:picChg chg="add">
+          <ac:chgData name="Emily Crose" userId="5a1598ef78992c55" providerId="LiveId" clId="{ED9979D7-1D45-4F0D-9B2D-A971C5E0432B}" dt="2023-04-11T15:15:21.248" v="191" actId="26606"/>
+          <ac:picMkLst>
+            <pc:docMk/>
+            <pc:sldMk cId="2500225662" sldId="283"/>
+            <ac:picMk id="7" creationId="{5E0A37C2-289D-2063-295E-FF9C15321A39}"/>
+          </ac:picMkLst>
+        </pc:picChg>
+      </pc:sldChg>
+      <pc:sldChg chg="ord">
+        <pc:chgData name="Emily Crose" userId="5a1598ef78992c55" providerId="LiveId" clId="{ED9979D7-1D45-4F0D-9B2D-A971C5E0432B}" dt="2023-04-11T15:02:08.267" v="161"/>
+        <pc:sldMkLst>
+          <pc:docMk/>
+          <pc:sldMk cId="1368545748" sldId="287"/>
+        </pc:sldMkLst>
+      </pc:sldChg>
+      <pc:sldChg chg="addSp modSp mod ord setBg">
+        <pc:chgData name="Emily Crose" userId="5a1598ef78992c55" providerId="LiveId" clId="{ED9979D7-1D45-4F0D-9B2D-A971C5E0432B}" dt="2023-04-11T15:15:28.766" v="192" actId="26606"/>
+        <pc:sldMkLst>
+          <pc:docMk/>
+          <pc:sldMk cId="879938734" sldId="288"/>
+        </pc:sldMkLst>
+        <pc:spChg chg="mod">
+          <ac:chgData name="Emily Crose" userId="5a1598ef78992c55" providerId="LiveId" clId="{ED9979D7-1D45-4F0D-9B2D-A971C5E0432B}" dt="2023-04-11T15:15:28.766" v="192" actId="26606"/>
+          <ac:spMkLst>
+            <pc:docMk/>
+            <pc:sldMk cId="879938734" sldId="288"/>
+            <ac:spMk id="2" creationId="{204030D5-98D7-3B7D-1061-2FD23B136418}"/>
+          </ac:spMkLst>
+        </pc:spChg>
+        <pc:spChg chg="mod">
+          <ac:chgData name="Emily Crose" userId="5a1598ef78992c55" providerId="LiveId" clId="{ED9979D7-1D45-4F0D-9B2D-A971C5E0432B}" dt="2023-04-11T15:15:28.766" v="192" actId="26606"/>
+          <ac:spMkLst>
+            <pc:docMk/>
+            <pc:sldMk cId="879938734" sldId="288"/>
+            <ac:spMk id="3" creationId="{859070D2-AC6F-54F3-9023-0532BBDB031A}"/>
+          </ac:spMkLst>
+        </pc:spChg>
+        <pc:picChg chg="add mod ord">
+          <ac:chgData name="Emily Crose" userId="5a1598ef78992c55" providerId="LiveId" clId="{ED9979D7-1D45-4F0D-9B2D-A971C5E0432B}" dt="2023-04-11T15:15:28.766" v="192" actId="26606"/>
+          <ac:picMkLst>
+            <pc:docMk/>
+            <pc:sldMk cId="879938734" sldId="288"/>
+            <ac:picMk id="5" creationId="{161BB8E0-CA50-4210-399F-364B281401F7}"/>
+          </ac:picMkLst>
+        </pc:picChg>
+      </pc:sldChg>
+      <pc:sldChg chg="mod ord modShow">
+        <pc:chgData name="Emily Crose" userId="5a1598ef78992c55" providerId="LiveId" clId="{ED9979D7-1D45-4F0D-9B2D-A971C5E0432B}" dt="2023-04-12T12:01:44.112" v="273" actId="729"/>
+        <pc:sldMkLst>
+          <pc:docMk/>
+          <pc:sldMk cId="3482304054" sldId="289"/>
+        </pc:sldMkLst>
+      </pc:sldChg>
+      <pc:sldChg chg="addSp delSp modSp new mod modClrScheme chgLayout">
+        <pc:chgData name="Emily Crose" userId="5a1598ef78992c55" providerId="LiveId" clId="{ED9979D7-1D45-4F0D-9B2D-A971C5E0432B}" dt="2023-04-11T14:08:52.183" v="12" actId="1076"/>
+        <pc:sldMkLst>
+          <pc:docMk/>
+          <pc:sldMk cId="252828928" sldId="290"/>
+        </pc:sldMkLst>
+        <pc:spChg chg="del">
+          <ac:chgData name="Emily Crose" userId="5a1598ef78992c55" providerId="LiveId" clId="{ED9979D7-1D45-4F0D-9B2D-A971C5E0432B}" dt="2023-04-11T14:08:41.184" v="8" actId="700"/>
+          <ac:spMkLst>
+            <pc:docMk/>
+            <pc:sldMk cId="252828928" sldId="290"/>
+            <ac:spMk id="2" creationId="{38CC2F03-B0F0-9576-7C83-E2B025A93DF1}"/>
+          </ac:spMkLst>
+        </pc:spChg>
+        <pc:spChg chg="del">
+          <ac:chgData name="Emily Crose" userId="5a1598ef78992c55" providerId="LiveId" clId="{ED9979D7-1D45-4F0D-9B2D-A971C5E0432B}" dt="2023-04-11T14:08:30.477" v="3"/>
+          <ac:spMkLst>
+            <pc:docMk/>
+            <pc:sldMk cId="252828928" sldId="290"/>
+            <ac:spMk id="3" creationId="{D8C52E39-63F7-F49E-C2EB-787CB0F597FF}"/>
+          </ac:spMkLst>
+        </pc:spChg>
+        <pc:picChg chg="add mod ord">
+          <ac:chgData name="Emily Crose" userId="5a1598ef78992c55" providerId="LiveId" clId="{ED9979D7-1D45-4F0D-9B2D-A971C5E0432B}" dt="2023-04-11T14:08:52.183" v="12" actId="1076"/>
+          <ac:picMkLst>
+            <pc:docMk/>
+            <pc:sldMk cId="252828928" sldId="290"/>
+            <ac:picMk id="5" creationId="{7C2F36E6-B02D-B333-8DD5-F1F8F5C576F7}"/>
+          </ac:picMkLst>
+        </pc:picChg>
+      </pc:sldChg>
+      <pc:sldChg chg="addSp delSp modSp new mod">
+        <pc:chgData name="Emily Crose" userId="5a1598ef78992c55" providerId="LiveId" clId="{ED9979D7-1D45-4F0D-9B2D-A971C5E0432B}" dt="2023-04-11T14:24:12.422" v="57" actId="1076"/>
+        <pc:sldMkLst>
+          <pc:docMk/>
+          <pc:sldMk cId="2397267575" sldId="291"/>
+        </pc:sldMkLst>
+        <pc:spChg chg="mod">
+          <ac:chgData name="Emily Crose" userId="5a1598ef78992c55" providerId="LiveId" clId="{ED9979D7-1D45-4F0D-9B2D-A971C5E0432B}" dt="2023-04-11T14:23:58.612" v="51" actId="20577"/>
+          <ac:spMkLst>
+            <pc:docMk/>
+            <pc:sldMk cId="2397267575" sldId="291"/>
+            <ac:spMk id="2" creationId="{B503BBC7-968E-A9BB-1B09-DF1ECAAB9C3C}"/>
+          </ac:spMkLst>
+        </pc:spChg>
+        <pc:spChg chg="del">
+          <ac:chgData name="Emily Crose" userId="5a1598ef78992c55" providerId="LiveId" clId="{ED9979D7-1D45-4F0D-9B2D-A971C5E0432B}" dt="2023-04-11T14:24:05.838" v="52"/>
+          <ac:spMkLst>
+            <pc:docMk/>
+            <pc:sldMk cId="2397267575" sldId="291"/>
+            <ac:spMk id="3" creationId="{0D737DD1-CD7D-11C1-A5D5-FE207A318412}"/>
+          </ac:spMkLst>
+        </pc:spChg>
+        <pc:picChg chg="add mod">
+          <ac:chgData name="Emily Crose" userId="5a1598ef78992c55" providerId="LiveId" clId="{ED9979D7-1D45-4F0D-9B2D-A971C5E0432B}" dt="2023-04-11T14:24:12.422" v="57" actId="1076"/>
+          <ac:picMkLst>
+            <pc:docMk/>
+            <pc:sldMk cId="2397267575" sldId="291"/>
+            <ac:picMk id="5" creationId="{7B6B8DE3-C0C4-A116-9482-6F1804A2EAF9}"/>
+          </ac:picMkLst>
+        </pc:picChg>
+      </pc:sldChg>
+      <pc:sldChg chg="addSp delSp modSp new mod setBg modClrScheme delDesignElem chgLayout">
+        <pc:chgData name="Emily Crose" userId="5a1598ef78992c55" providerId="LiveId" clId="{ED9979D7-1D45-4F0D-9B2D-A971C5E0432B}" dt="2023-04-11T14:45:53.387" v="132" actId="20577"/>
+        <pc:sldMkLst>
+          <pc:docMk/>
+          <pc:sldMk cId="2072247977" sldId="292"/>
+        </pc:sldMkLst>
+        <pc:spChg chg="add mod ord">
+          <ac:chgData name="Emily Crose" userId="5a1598ef78992c55" providerId="LiveId" clId="{ED9979D7-1D45-4F0D-9B2D-A971C5E0432B}" dt="2023-04-11T14:45:53.387" v="132" actId="20577"/>
+          <ac:spMkLst>
+            <pc:docMk/>
+            <pc:sldMk cId="2072247977" sldId="292"/>
+            <ac:spMk id="4" creationId="{34D6185B-FBA7-3F7C-0E91-F6CDC4DB3186}"/>
+          </ac:spMkLst>
+        </pc:spChg>
+        <pc:spChg chg="add del mod ord">
+          <ac:chgData name="Emily Crose" userId="5a1598ef78992c55" providerId="LiveId" clId="{ED9979D7-1D45-4F0D-9B2D-A971C5E0432B}" dt="2023-04-11T14:45:38.714" v="101" actId="26606"/>
+          <ac:spMkLst>
+            <pc:docMk/>
+            <pc:sldMk cId="2072247977" sldId="292"/>
+            <ac:spMk id="5" creationId="{8853C6B9-AAE3-FA34-5586-2C3BA767950C}"/>
+          </ac:spMkLst>
+        </pc:spChg>
+        <pc:spChg chg="add del">
+          <ac:chgData name="Emily Crose" userId="5a1598ef78992c55" providerId="LiveId" clId="{ED9979D7-1D45-4F0D-9B2D-A971C5E0432B}" dt="2023-04-11T14:45:36.412" v="100" actId="700"/>
+          <ac:spMkLst>
+            <pc:docMk/>
+            <pc:sldMk cId="2072247977" sldId="292"/>
+            <ac:spMk id="8" creationId="{9A30BEE6-CF9E-4712-A953-4B67901FC5F5}"/>
+          </ac:spMkLst>
+        </pc:spChg>
+        <pc:spChg chg="add">
+          <ac:chgData name="Emily Crose" userId="5a1598ef78992c55" providerId="LiveId" clId="{ED9979D7-1D45-4F0D-9B2D-A971C5E0432B}" dt="2023-04-11T14:45:38.714" v="101" actId="26606"/>
+          <ac:spMkLst>
+            <pc:docMk/>
+            <pc:sldMk cId="2072247977" sldId="292"/>
+            <ac:spMk id="10" creationId="{9A30BEE6-CF9E-4712-A953-4B67901FC5F5}"/>
+          </ac:spMkLst>
+        </pc:spChg>
+        <pc:picChg chg="add mod ord">
+          <ac:chgData name="Emily Crose" userId="5a1598ef78992c55" providerId="LiveId" clId="{ED9979D7-1D45-4F0D-9B2D-A971C5E0432B}" dt="2023-04-11T14:45:38.714" v="101" actId="26606"/>
+          <ac:picMkLst>
+            <pc:docMk/>
+            <pc:sldMk cId="2072247977" sldId="292"/>
+            <ac:picMk id="3" creationId="{47F4F58C-3868-B47D-6DF8-A9F3756CD33B}"/>
+          </ac:picMkLst>
+        </pc:picChg>
+      </pc:sldChg>
+      <pc:sldChg chg="addSp delSp modSp new mod setBg">
+        <pc:chgData name="Emily Crose" userId="5a1598ef78992c55" providerId="LiveId" clId="{ED9979D7-1D45-4F0D-9B2D-A971C5E0432B}" dt="2023-04-11T14:45:19.409" v="98" actId="26606"/>
+        <pc:sldMkLst>
+          <pc:docMk/>
+          <pc:sldMk cId="1665156498" sldId="293"/>
+        </pc:sldMkLst>
+        <pc:spChg chg="mod ord">
+          <ac:chgData name="Emily Crose" userId="5a1598ef78992c55" providerId="LiveId" clId="{ED9979D7-1D45-4F0D-9B2D-A971C5E0432B}" dt="2023-04-11T14:45:19.409" v="98" actId="26606"/>
+          <ac:spMkLst>
+            <pc:docMk/>
+            <pc:sldMk cId="1665156498" sldId="293"/>
+            <ac:spMk id="2" creationId="{F57B86BA-F2F0-9A36-F3A8-32194771A64B}"/>
+          </ac:spMkLst>
+        </pc:spChg>
+        <pc:spChg chg="del">
+          <ac:chgData name="Emily Crose" userId="5a1598ef78992c55" providerId="LiveId" clId="{ED9979D7-1D45-4F0D-9B2D-A971C5E0432B}" dt="2023-04-11T14:43:15.790" v="93"/>
+          <ac:spMkLst>
+            <pc:docMk/>
+            <pc:sldMk cId="1665156498" sldId="293"/>
+            <ac:spMk id="3" creationId="{6066F1B9-B3D5-69C3-F92B-9275C6AAE676}"/>
+          </ac:spMkLst>
+        </pc:spChg>
+        <pc:spChg chg="add">
+          <ac:chgData name="Emily Crose" userId="5a1598ef78992c55" providerId="LiveId" clId="{ED9979D7-1D45-4F0D-9B2D-A971C5E0432B}" dt="2023-04-11T14:45:19.409" v="98" actId="26606"/>
+          <ac:spMkLst>
+            <pc:docMk/>
+            <pc:sldMk cId="1665156498" sldId="293"/>
+            <ac:spMk id="10" creationId="{5FA21C72-692C-49FD-9EB4-DDDDDEBD4BD6}"/>
+          </ac:spMkLst>
+        </pc:spChg>
+        <pc:spChg chg="add">
+          <ac:chgData name="Emily Crose" userId="5a1598ef78992c55" providerId="LiveId" clId="{ED9979D7-1D45-4F0D-9B2D-A971C5E0432B}" dt="2023-04-11T14:45:19.409" v="98" actId="26606"/>
+          <ac:spMkLst>
+            <pc:docMk/>
+            <pc:sldMk cId="1665156498" sldId="293"/>
+            <ac:spMk id="12" creationId="{FBAF941A-6830-47A3-B63C-7C7B66AEA73B}"/>
+          </ac:spMkLst>
+        </pc:spChg>
+        <pc:picChg chg="add mod">
+          <ac:chgData name="Emily Crose" userId="5a1598ef78992c55" providerId="LiveId" clId="{ED9979D7-1D45-4F0D-9B2D-A971C5E0432B}" dt="2023-04-11T14:45:19.409" v="98" actId="26606"/>
+          <ac:picMkLst>
+            <pc:docMk/>
+            <pc:sldMk cId="1665156498" sldId="293"/>
+            <ac:picMk id="5" creationId="{E7B7330E-B0FD-23B2-CDDB-5C7F5FEDA98A}"/>
+          </ac:picMkLst>
+        </pc:picChg>
+      </pc:sldChg>
+      <pc:sldChg chg="addSp modSp new mod setBg">
+        <pc:chgData name="Emily Crose" userId="5a1598ef78992c55" providerId="LiveId" clId="{ED9979D7-1D45-4F0D-9B2D-A971C5E0432B}" dt="2023-04-11T15:12:40.970" v="190" actId="26606"/>
+        <pc:sldMkLst>
+          <pc:docMk/>
+          <pc:sldMk cId="3782519446" sldId="294"/>
+        </pc:sldMkLst>
+        <pc:spChg chg="mod">
+          <ac:chgData name="Emily Crose" userId="5a1598ef78992c55" providerId="LiveId" clId="{ED9979D7-1D45-4F0D-9B2D-A971C5E0432B}" dt="2023-04-11T15:12:40.970" v="190" actId="26606"/>
+          <ac:spMkLst>
+            <pc:docMk/>
+            <pc:sldMk cId="3782519446" sldId="294"/>
+            <ac:spMk id="2" creationId="{B31FD8DD-DB68-A28D-4570-B4DDCE3B348A}"/>
+          </ac:spMkLst>
+        </pc:spChg>
+        <pc:spChg chg="add">
+          <ac:chgData name="Emily Crose" userId="5a1598ef78992c55" providerId="LiveId" clId="{ED9979D7-1D45-4F0D-9B2D-A971C5E0432B}" dt="2023-04-11T15:12:40.970" v="190" actId="26606"/>
+          <ac:spMkLst>
+            <pc:docMk/>
+            <pc:sldMk cId="3782519446" sldId="294"/>
+            <ac:spMk id="9" creationId="{1E14715B-2E40-4760-AE23-026845A30A49}"/>
+          </ac:spMkLst>
+        </pc:spChg>
+        <pc:spChg chg="add">
+          <ac:chgData name="Emily Crose" userId="5a1598ef78992c55" providerId="LiveId" clId="{ED9979D7-1D45-4F0D-9B2D-A971C5E0432B}" dt="2023-04-11T15:12:40.970" v="190" actId="26606"/>
+          <ac:spMkLst>
+            <pc:docMk/>
+            <pc:sldMk cId="3782519446" sldId="294"/>
+            <ac:spMk id="11" creationId="{45D08429-4C7A-4C37-848C-C1613E31D53A}"/>
+          </ac:spMkLst>
+        </pc:spChg>
+        <pc:spChg chg="add">
+          <ac:chgData name="Emily Crose" userId="5a1598ef78992c55" providerId="LiveId" clId="{ED9979D7-1D45-4F0D-9B2D-A971C5E0432B}" dt="2023-04-11T15:12:40.970" v="190" actId="26606"/>
+          <ac:spMkLst>
+            <pc:docMk/>
+            <pc:sldMk cId="3782519446" sldId="294"/>
+            <ac:spMk id="13" creationId="{DD8F4B2B-96EA-4C0F-84D3-5728F7CF0B0B}"/>
+          </ac:spMkLst>
+        </pc:spChg>
+        <pc:picChg chg="add mod">
+          <ac:chgData name="Emily Crose" userId="5a1598ef78992c55" providerId="LiveId" clId="{ED9979D7-1D45-4F0D-9B2D-A971C5E0432B}" dt="2023-04-11T15:12:40.970" v="190" actId="26606"/>
+          <ac:picMkLst>
+            <pc:docMk/>
+            <pc:sldMk cId="3782519446" sldId="294"/>
+            <ac:picMk id="4" creationId="{525DBD2C-07A7-A04F-3E07-AC1150B4C4BA}"/>
+          </ac:picMkLst>
+        </pc:picChg>
+      </pc:sldChg>
+      <pc:sldChg chg="addSp delSp modSp new mod ord setBg chgLayout">
+        <pc:chgData name="Emily Crose" userId="5a1598ef78992c55" providerId="LiveId" clId="{ED9979D7-1D45-4F0D-9B2D-A971C5E0432B}" dt="2023-04-11T15:52:24.816" v="271" actId="26606"/>
+        <pc:sldMkLst>
+          <pc:docMk/>
+          <pc:sldMk cId="1819572938" sldId="295"/>
+        </pc:sldMkLst>
+        <pc:spChg chg="del mod ord">
+          <ac:chgData name="Emily Crose" userId="5a1598ef78992c55" providerId="LiveId" clId="{ED9979D7-1D45-4F0D-9B2D-A971C5E0432B}" dt="2023-04-11T15:50:59.428" v="194" actId="700"/>
+          <ac:spMkLst>
+            <pc:docMk/>
+            <pc:sldMk cId="1819572938" sldId="295"/>
+            <ac:spMk id="2" creationId="{1F6DAE25-0420-0903-2AEA-E98C859BA723}"/>
+          </ac:spMkLst>
+        </pc:spChg>
+        <pc:spChg chg="add mod ord">
+          <ac:chgData name="Emily Crose" userId="5a1598ef78992c55" providerId="LiveId" clId="{ED9979D7-1D45-4F0D-9B2D-A971C5E0432B}" dt="2023-04-11T15:52:24.816" v="271" actId="26606"/>
+          <ac:spMkLst>
+            <pc:docMk/>
+            <pc:sldMk cId="1819572938" sldId="295"/>
+            <ac:spMk id="3" creationId="{B14F37FB-E88D-E575-E938-093BD4CF80BF}"/>
+          </ac:spMkLst>
+        </pc:spChg>
+        <pc:spChg chg="add mod ord">
+          <ac:chgData name="Emily Crose" userId="5a1598ef78992c55" providerId="LiveId" clId="{ED9979D7-1D45-4F0D-9B2D-A971C5E0432B}" dt="2023-04-11T15:52:24.816" v="271" actId="26606"/>
+          <ac:spMkLst>
+            <pc:docMk/>
+            <pc:sldMk cId="1819572938" sldId="295"/>
+            <ac:spMk id="4" creationId="{523AE960-1EFB-EF71-757F-BF358F42F7F3}"/>
+          </ac:spMkLst>
+        </pc:spChg>
+        <pc:spChg chg="add del">
+          <ac:chgData name="Emily Crose" userId="5a1598ef78992c55" providerId="LiveId" clId="{ED9979D7-1D45-4F0D-9B2D-A971C5E0432B}" dt="2023-04-11T15:52:24.811" v="270" actId="26606"/>
+          <ac:spMkLst>
+            <pc:docMk/>
+            <pc:sldMk cId="1819572938" sldId="295"/>
+            <ac:spMk id="10" creationId="{17928EA2-88ED-424C-A811-B45B398FBAFA}"/>
+          </ac:spMkLst>
+        </pc:spChg>
+        <pc:spChg chg="add del">
+          <ac:chgData name="Emily Crose" userId="5a1598ef78992c55" providerId="LiveId" clId="{ED9979D7-1D45-4F0D-9B2D-A971C5E0432B}" dt="2023-04-11T15:52:24.811" v="270" actId="26606"/>
+          <ac:spMkLst>
+            <pc:docMk/>
+            <pc:sldMk cId="1819572938" sldId="295"/>
+            <ac:spMk id="12" creationId="{304F0B90-9D71-4D15-94CC-B9E1F445BA28}"/>
+          </ac:spMkLst>
+        </pc:spChg>
+        <pc:picChg chg="add del">
+          <ac:chgData name="Emily Crose" userId="5a1598ef78992c55" providerId="LiveId" clId="{ED9979D7-1D45-4F0D-9B2D-A971C5E0432B}" dt="2023-04-11T15:52:23.710" v="268" actId="26606"/>
+          <ac:picMkLst>
+            <pc:docMk/>
+            <pc:sldMk cId="1819572938" sldId="295"/>
+            <ac:picMk id="6" creationId="{0C741128-6F26-C237-29CE-103494883CAC}"/>
+          </ac:picMkLst>
+        </pc:picChg>
+        <pc:picChg chg="add del">
+          <ac:chgData name="Emily Crose" userId="5a1598ef78992c55" providerId="LiveId" clId="{ED9979D7-1D45-4F0D-9B2D-A971C5E0432B}" dt="2023-04-11T15:52:24.811" v="270" actId="26606"/>
+          <ac:picMkLst>
+            <pc:docMk/>
+            <pc:sldMk cId="1819572938" sldId="295"/>
+            <ac:picMk id="8" creationId="{338FE064-78F6-80D6-6C46-ED13FDF6271E}"/>
+          </ac:picMkLst>
+        </pc:picChg>
+        <pc:picChg chg="add">
+          <ac:chgData name="Emily Crose" userId="5a1598ef78992c55" providerId="LiveId" clId="{ED9979D7-1D45-4F0D-9B2D-A971C5E0432B}" dt="2023-04-11T15:52:24.816" v="271" actId="26606"/>
+          <ac:picMkLst>
+            <pc:docMk/>
+            <pc:sldMk cId="1819572938" sldId="295"/>
+            <ac:picMk id="14" creationId="{48868C10-01A0-A6D5-DC86-DE52CEFDEB09}"/>
+          </ac:picMkLst>
+        </pc:picChg>
+      </pc:sldChg>
+      <pc:sldChg chg="addSp modSp new mod">
+        <pc:chgData name="Emily Crose" userId="5a1598ef78992c55" providerId="LiveId" clId="{ED9979D7-1D45-4F0D-9B2D-A971C5E0432B}" dt="2023-04-11T15:52:01.544" v="266" actId="962"/>
+        <pc:sldMkLst>
+          <pc:docMk/>
+          <pc:sldMk cId="2541419034" sldId="296"/>
+        </pc:sldMkLst>
+        <pc:picChg chg="add mod">
+          <ac:chgData name="Emily Crose" userId="5a1598ef78992c55" providerId="LiveId" clId="{ED9979D7-1D45-4F0D-9B2D-A971C5E0432B}" dt="2023-04-11T15:52:01.544" v="266" actId="962"/>
+          <ac:picMkLst>
+            <pc:docMk/>
+            <pc:sldMk cId="2541419034" sldId="296"/>
+            <ac:picMk id="3" creationId="{68C49C86-1EC0-0839-1272-6B6E81638BCC}"/>
+          </ac:picMkLst>
+        </pc:picChg>
+      </pc:sldChg>
+    </pc:docChg>
+  </pc:docChgLst>
+  <pc:docChgLst>
+    <pc:chgData name="Emily Crose" userId="5a1598ef78992c55" providerId="LiveId" clId="{67002AFB-16E7-4872-A597-832B63EBDEE2}"/>
+    <pc:docChg chg="undo custSel addSld delSld modSld modMainMaster">
+      <pc:chgData name="Emily Crose" userId="5a1598ef78992c55" providerId="LiveId" clId="{67002AFB-16E7-4872-A597-832B63EBDEE2}" dt="2023-04-19T17:12:32.221" v="1767" actId="20577"/>
+      <pc:docMkLst>
+        <pc:docMk/>
+      </pc:docMkLst>
+      <pc:sldChg chg="addSp delSp modSp mod setBg setClrOvrMap delDesignElem">
+        <pc:chgData name="Emily Crose" userId="5a1598ef78992c55" providerId="LiveId" clId="{67002AFB-16E7-4872-A597-832B63EBDEE2}" dt="2023-04-19T17:11:23.020" v="1741" actId="12"/>
         <pc:sldMkLst>
           <pc:docMk/>
           <pc:sldMk cId="1938681844" sldId="256"/>
         </pc:sldMkLst>
         <pc:spChg chg="mod">
-          <ac:chgData name="Emily Crose" userId="5a1598ef78992c55" providerId="LiveId" clId="{67002AFB-16E7-4872-A597-832B63EBDEE2}" dt="2023-04-19T15:26:16.652" v="276" actId="26606"/>
+          <ac:chgData name="Emily Crose" userId="5a1598ef78992c55" providerId="LiveId" clId="{67002AFB-16E7-4872-A597-832B63EBDEE2}" dt="2023-04-19T17:11:19.195" v="1740" actId="26606"/>
           <ac:spMkLst>
             <pc:docMk/>
             <pc:sldMk cId="1938681844" sldId="256"/>
@@ -2985,7 +3515,7 @@
           </ac:spMkLst>
         </pc:spChg>
         <pc:spChg chg="mod">
-          <ac:chgData name="Emily Crose" userId="5a1598ef78992c55" providerId="LiveId" clId="{67002AFB-16E7-4872-A597-832B63EBDEE2}" dt="2023-04-19T15:26:21.936" v="277" actId="12"/>
+          <ac:chgData name="Emily Crose" userId="5a1598ef78992c55" providerId="LiveId" clId="{67002AFB-16E7-4872-A597-832B63EBDEE2}" dt="2023-04-19T17:11:23.020" v="1741" actId="12"/>
           <ac:spMkLst>
             <pc:docMk/>
             <pc:sldMk cId="1938681844" sldId="256"/>
@@ -3000,8 +3530,8 @@
             <ac:spMk id="10" creationId="{EAAC8963-AF89-4FC1-910B-686E223CD28D}"/>
           </ac:spMkLst>
         </pc:spChg>
-        <pc:spChg chg="add">
-          <ac:chgData name="Emily Crose" userId="5a1598ef78992c55" providerId="LiveId" clId="{67002AFB-16E7-4872-A597-832B63EBDEE2}" dt="2023-04-19T15:26:16.652" v="276" actId="26606"/>
+        <pc:spChg chg="add del">
+          <ac:chgData name="Emily Crose" userId="5a1598ef78992c55" providerId="LiveId" clId="{67002AFB-16E7-4872-A597-832B63EBDEE2}" dt="2023-04-19T17:11:19.195" v="1740" actId="26606"/>
           <ac:spMkLst>
             <pc:docMk/>
             <pc:sldMk cId="1938681844" sldId="256"/>
@@ -3016,20 +3546,36 @@
             <ac:spMk id="17" creationId="{23A4F197-86BE-42C9-A95B-A488B7683C2E}"/>
           </ac:spMkLst>
         </pc:spChg>
-        <pc:spChg chg="add">
-          <ac:chgData name="Emily Crose" userId="5a1598ef78992c55" providerId="LiveId" clId="{67002AFB-16E7-4872-A597-832B63EBDEE2}" dt="2023-04-19T15:26:16.652" v="276" actId="26606"/>
+        <pc:spChg chg="add del">
+          <ac:chgData name="Emily Crose" userId="5a1598ef78992c55" providerId="LiveId" clId="{67002AFB-16E7-4872-A597-832B63EBDEE2}" dt="2023-04-19T17:11:19.195" v="1740" actId="26606"/>
           <ac:spMkLst>
             <pc:docMk/>
             <pc:sldMk cId="1938681844" sldId="256"/>
             <ac:spMk id="18" creationId="{089A69AF-D57B-49B4-886C-D4A5DC194421}"/>
           </ac:spMkLst>
         </pc:spChg>
-        <pc:spChg chg="add">
-          <ac:chgData name="Emily Crose" userId="5a1598ef78992c55" providerId="LiveId" clId="{67002AFB-16E7-4872-A597-832B63EBDEE2}" dt="2023-04-19T15:26:16.652" v="276" actId="26606"/>
+        <pc:spChg chg="add del">
+          <ac:chgData name="Emily Crose" userId="5a1598ef78992c55" providerId="LiveId" clId="{67002AFB-16E7-4872-A597-832B63EBDEE2}" dt="2023-04-19T17:11:19.195" v="1740" actId="26606"/>
           <ac:spMkLst>
             <pc:docMk/>
             <pc:sldMk cId="1938681844" sldId="256"/>
             <ac:spMk id="19" creationId="{CABDC08D-6093-4397-92D4-54D00E2BB1C2}"/>
+          </ac:spMkLst>
+        </pc:spChg>
+        <pc:spChg chg="add">
+          <ac:chgData name="Emily Crose" userId="5a1598ef78992c55" providerId="LiveId" clId="{67002AFB-16E7-4872-A597-832B63EBDEE2}" dt="2023-04-19T17:11:19.195" v="1740" actId="26606"/>
+          <ac:spMkLst>
+            <pc:docMk/>
+            <pc:sldMk cId="1938681844" sldId="256"/>
+            <ac:spMk id="24" creationId="{8EE457FF-670E-4EC1-ACD4-1173DA9A7975}"/>
+          </ac:spMkLst>
+        </pc:spChg>
+        <pc:spChg chg="add">
+          <ac:chgData name="Emily Crose" userId="5a1598ef78992c55" providerId="LiveId" clId="{67002AFB-16E7-4872-A597-832B63EBDEE2}" dt="2023-04-19T17:11:19.195" v="1740" actId="26606"/>
+          <ac:spMkLst>
+            <pc:docMk/>
+            <pc:sldMk cId="1938681844" sldId="256"/>
+            <ac:spMk id="26" creationId="{35C44DBB-AD7C-4682-B258-6367305D207B}"/>
           </ac:spMkLst>
         </pc:spChg>
         <pc:picChg chg="del">
@@ -3048,6 +3594,14 @@
             <ac:picMk id="12" creationId="{41BDA784-DB63-4168-8CC9-0DA04775B2DD}"/>
           </ac:picMkLst>
         </pc:picChg>
+        <pc:cxnChg chg="add">
+          <ac:chgData name="Emily Crose" userId="5a1598ef78992c55" providerId="LiveId" clId="{67002AFB-16E7-4872-A597-832B63EBDEE2}" dt="2023-04-19T17:11:19.195" v="1740" actId="26606"/>
+          <ac:cxnSpMkLst>
+            <pc:docMk/>
+            <pc:sldMk cId="1938681844" sldId="256"/>
+            <ac:cxnSpMk id="28" creationId="{A1CED323-FAF0-4E0B-8717-FC1F468A28FE}"/>
+          </ac:cxnSpMkLst>
+        </pc:cxnChg>
       </pc:sldChg>
       <pc:sldChg chg="del">
         <pc:chgData name="Emily Crose" userId="5a1598ef78992c55" providerId="LiveId" clId="{67002AFB-16E7-4872-A597-832B63EBDEE2}" dt="2023-04-18T18:00:42.188" v="0" actId="47"/>
@@ -3996,7 +4550,7 @@
         </pc:picChg>
       </pc:sldChg>
       <pc:sldChg chg="modSp add mod">
-        <pc:chgData name="Emily Crose" userId="5a1598ef78992c55" providerId="LiveId" clId="{67002AFB-16E7-4872-A597-832B63EBDEE2}" dt="2023-04-19T15:39:01.987" v="493" actId="20577"/>
+        <pc:chgData name="Emily Crose" userId="5a1598ef78992c55" providerId="LiveId" clId="{67002AFB-16E7-4872-A597-832B63EBDEE2}" dt="2023-04-19T17:12:22.796" v="1757" actId="20577"/>
         <pc:sldMkLst>
           <pc:docMk/>
           <pc:sldMk cId="457221393" sldId="332"/>
@@ -4010,7 +4564,7 @@
           </ac:spMkLst>
         </pc:spChg>
         <pc:spChg chg="mod">
-          <ac:chgData name="Emily Crose" userId="5a1598ef78992c55" providerId="LiveId" clId="{67002AFB-16E7-4872-A597-832B63EBDEE2}" dt="2023-04-19T15:39:01.987" v="493" actId="20577"/>
+          <ac:chgData name="Emily Crose" userId="5a1598ef78992c55" providerId="LiveId" clId="{67002AFB-16E7-4872-A597-832B63EBDEE2}" dt="2023-04-19T17:12:22.796" v="1757" actId="20577"/>
           <ac:spMkLst>
             <pc:docMk/>
             <pc:sldMk cId="457221393" sldId="332"/>
@@ -4026,7 +4580,7 @@
         </pc:sldMkLst>
       </pc:sldChg>
       <pc:sldChg chg="modSp add mod">
-        <pc:chgData name="Emily Crose" userId="5a1598ef78992c55" providerId="LiveId" clId="{67002AFB-16E7-4872-A597-832B63EBDEE2}" dt="2023-04-19T15:46:11.587" v="532" actId="20577"/>
+        <pc:chgData name="Emily Crose" userId="5a1598ef78992c55" providerId="LiveId" clId="{67002AFB-16E7-4872-A597-832B63EBDEE2}" dt="2023-04-19T17:12:32.221" v="1767" actId="20577"/>
         <pc:sldMkLst>
           <pc:docMk/>
           <pc:sldMk cId="2097911000" sldId="333"/>
@@ -4040,7 +4594,7 @@
           </ac:spMkLst>
         </pc:spChg>
         <pc:spChg chg="mod">
-          <ac:chgData name="Emily Crose" userId="5a1598ef78992c55" providerId="LiveId" clId="{67002AFB-16E7-4872-A597-832B63EBDEE2}" dt="2023-04-19T15:46:11.587" v="532" actId="20577"/>
+          <ac:chgData name="Emily Crose" userId="5a1598ef78992c55" providerId="LiveId" clId="{67002AFB-16E7-4872-A597-832B63EBDEE2}" dt="2023-04-19T17:12:32.221" v="1767" actId="20577"/>
           <ac:spMkLst>
             <pc:docMk/>
             <pc:sldMk cId="2097911000" sldId="333"/>
@@ -4597,537 +5151,6 @@
           </pc:picChg>
         </pc:sldLayoutChg>
       </pc:sldMasterChg>
-    </pc:docChg>
-  </pc:docChgLst>
-  <pc:docChgLst>
-    <pc:chgData name="Emily Crose" userId="5a1598ef78992c55" providerId="LiveId" clId="{ED9979D7-1D45-4F0D-9B2D-A971C5E0432B}"/>
-    <pc:docChg chg="undo custSel addSld modSld sldOrd">
-      <pc:chgData name="Emily Crose" userId="5a1598ef78992c55" providerId="LiveId" clId="{ED9979D7-1D45-4F0D-9B2D-A971C5E0432B}" dt="2023-04-12T12:01:44.112" v="273" actId="729"/>
-      <pc:docMkLst>
-        <pc:docMk/>
-      </pc:docMkLst>
-      <pc:sldChg chg="addSp delSp modSp mod setBg setClrOvrMap">
-        <pc:chgData name="Emily Crose" userId="5a1598ef78992c55" providerId="LiveId" clId="{ED9979D7-1D45-4F0D-9B2D-A971C5E0432B}" dt="2023-04-11T14:27:43.704" v="66" actId="26606"/>
-        <pc:sldMkLst>
-          <pc:docMk/>
-          <pc:sldMk cId="3327628599" sldId="277"/>
-        </pc:sldMkLst>
-        <pc:spChg chg="mod">
-          <ac:chgData name="Emily Crose" userId="5a1598ef78992c55" providerId="LiveId" clId="{ED9979D7-1D45-4F0D-9B2D-A971C5E0432B}" dt="2023-04-11T14:27:43.704" v="66" actId="26606"/>
-          <ac:spMkLst>
-            <pc:docMk/>
-            <pc:sldMk cId="3327628599" sldId="277"/>
-            <ac:spMk id="2" creationId="{DFF30967-E701-3259-3001-7D2A866904F3}"/>
-          </ac:spMkLst>
-        </pc:spChg>
-        <pc:spChg chg="del">
-          <ac:chgData name="Emily Crose" userId="5a1598ef78992c55" providerId="LiveId" clId="{ED9979D7-1D45-4F0D-9B2D-A971C5E0432B}" dt="2023-04-11T14:27:43.704" v="66" actId="26606"/>
-          <ac:spMkLst>
-            <pc:docMk/>
-            <pc:sldMk cId="3327628599" sldId="277"/>
-            <ac:spMk id="3" creationId="{37C96775-6F9D-FA87-A267-B80E8D8E1EEE}"/>
-          </ac:spMkLst>
-        </pc:spChg>
-        <pc:picChg chg="add">
-          <ac:chgData name="Emily Crose" userId="5a1598ef78992c55" providerId="LiveId" clId="{ED9979D7-1D45-4F0D-9B2D-A971C5E0432B}" dt="2023-04-11T14:27:43.704" v="66" actId="26606"/>
-          <ac:picMkLst>
-            <pc:docMk/>
-            <pc:sldMk cId="3327628599" sldId="277"/>
-            <ac:picMk id="5" creationId="{F81ADD84-7288-727C-CA23-176D9E73FA89}"/>
-          </ac:picMkLst>
-        </pc:picChg>
-      </pc:sldChg>
-      <pc:sldChg chg="addSp modSp mod setBg">
-        <pc:chgData name="Emily Crose" userId="5a1598ef78992c55" providerId="LiveId" clId="{ED9979D7-1D45-4F0D-9B2D-A971C5E0432B}" dt="2023-04-11T14:27:32.985" v="65" actId="26606"/>
-        <pc:sldMkLst>
-          <pc:docMk/>
-          <pc:sldMk cId="88950898" sldId="278"/>
-        </pc:sldMkLst>
-        <pc:spChg chg="mod">
-          <ac:chgData name="Emily Crose" userId="5a1598ef78992c55" providerId="LiveId" clId="{ED9979D7-1D45-4F0D-9B2D-A971C5E0432B}" dt="2023-04-11T14:27:32.985" v="65" actId="26606"/>
-          <ac:spMkLst>
-            <pc:docMk/>
-            <pc:sldMk cId="88950898" sldId="278"/>
-            <ac:spMk id="2" creationId="{8DA37B91-6151-7618-677F-619A4C395CE6}"/>
-          </ac:spMkLst>
-        </pc:spChg>
-        <pc:spChg chg="mod">
-          <ac:chgData name="Emily Crose" userId="5a1598ef78992c55" providerId="LiveId" clId="{ED9979D7-1D45-4F0D-9B2D-A971C5E0432B}" dt="2023-04-11T14:27:32.985" v="65" actId="26606"/>
-          <ac:spMkLst>
-            <pc:docMk/>
-            <pc:sldMk cId="88950898" sldId="278"/>
-            <ac:spMk id="3" creationId="{82E6FA26-DDE8-B023-2CEC-5647ECEE216E}"/>
-          </ac:spMkLst>
-        </pc:spChg>
-        <pc:picChg chg="add">
-          <ac:chgData name="Emily Crose" userId="5a1598ef78992c55" providerId="LiveId" clId="{ED9979D7-1D45-4F0D-9B2D-A971C5E0432B}" dt="2023-04-11T14:27:32.985" v="65" actId="26606"/>
-          <ac:picMkLst>
-            <pc:docMk/>
-            <pc:sldMk cId="88950898" sldId="278"/>
-            <ac:picMk id="5" creationId="{CFF1D7B3-C994-A89E-CF19-965631AF078F}"/>
-          </ac:picMkLst>
-        </pc:picChg>
-      </pc:sldChg>
-      <pc:sldChg chg="addSp delSp modSp mod setBg modClrScheme delDesignElem chgLayout">
-        <pc:chgData name="Emily Crose" userId="5a1598ef78992c55" providerId="LiveId" clId="{ED9979D7-1D45-4F0D-9B2D-A971C5E0432B}" dt="2023-04-11T15:01:15.354" v="159" actId="1076"/>
-        <pc:sldMkLst>
-          <pc:docMk/>
-          <pc:sldMk cId="1357691262" sldId="282"/>
-        </pc:sldMkLst>
-        <pc:spChg chg="add mod ord">
-          <ac:chgData name="Emily Crose" userId="5a1598ef78992c55" providerId="LiveId" clId="{ED9979D7-1D45-4F0D-9B2D-A971C5E0432B}" dt="2023-04-11T15:01:15.354" v="159" actId="1076"/>
-          <ac:spMkLst>
-            <pc:docMk/>
-            <pc:sldMk cId="1357691262" sldId="282"/>
-            <ac:spMk id="5" creationId="{ECCF6587-ED02-7EC9-A2E4-B84BB70C3F2D}"/>
-          </ac:spMkLst>
-        </pc:spChg>
-        <pc:spChg chg="add">
-          <ac:chgData name="Emily Crose" userId="5a1598ef78992c55" providerId="LiveId" clId="{ED9979D7-1D45-4F0D-9B2D-A971C5E0432B}" dt="2023-04-11T15:01:01.850" v="139" actId="26606"/>
-          <ac:spMkLst>
-            <pc:docMk/>
-            <pc:sldMk cId="1357691262" sldId="282"/>
-            <ac:spMk id="7" creationId="{5FA21C72-692C-49FD-9EB4-DDDDDEBD4BD6}"/>
-          </ac:spMkLst>
-        </pc:spChg>
-        <pc:spChg chg="del">
-          <ac:chgData name="Emily Crose" userId="5a1598ef78992c55" providerId="LiveId" clId="{ED9979D7-1D45-4F0D-9B2D-A971C5E0432B}" dt="2023-04-11T15:00:50.090" v="137" actId="26606"/>
-          <ac:spMkLst>
-            <pc:docMk/>
-            <pc:sldMk cId="1357691262" sldId="282"/>
-            <ac:spMk id="8" creationId="{EC7FF834-B204-4967-8D47-8BB36EAF0EF5}"/>
-          </ac:spMkLst>
-        </pc:spChg>
-        <pc:spChg chg="del">
-          <ac:chgData name="Emily Crose" userId="5a1598ef78992c55" providerId="LiveId" clId="{ED9979D7-1D45-4F0D-9B2D-A971C5E0432B}" dt="2023-04-11T15:00:50.090" v="137" actId="26606"/>
-          <ac:spMkLst>
-            <pc:docMk/>
-            <pc:sldMk cId="1357691262" sldId="282"/>
-            <ac:spMk id="10" creationId="{F780A22D-61EA-43E3-BD94-3E39CF902160}"/>
-          </ac:spMkLst>
-        </pc:spChg>
-        <pc:spChg chg="add">
-          <ac:chgData name="Emily Crose" userId="5a1598ef78992c55" providerId="LiveId" clId="{ED9979D7-1D45-4F0D-9B2D-A971C5E0432B}" dt="2023-04-11T15:01:01.850" v="139" actId="26606"/>
-          <ac:spMkLst>
-            <pc:docMk/>
-            <pc:sldMk cId="1357691262" sldId="282"/>
-            <ac:spMk id="12" creationId="{FBAF941A-6830-47A3-B63C-7C7B66AEA73B}"/>
-          </ac:spMkLst>
-        </pc:spChg>
-        <pc:spChg chg="add del">
-          <ac:chgData name="Emily Crose" userId="5a1598ef78992c55" providerId="LiveId" clId="{ED9979D7-1D45-4F0D-9B2D-A971C5E0432B}" dt="2023-04-11T15:01:00.018" v="138" actId="700"/>
-          <ac:spMkLst>
-            <pc:docMk/>
-            <pc:sldMk cId="1357691262" sldId="282"/>
-            <ac:spMk id="15" creationId="{5FA21C72-692C-49FD-9EB4-DDDDDEBD4BD6}"/>
-          </ac:spMkLst>
-        </pc:spChg>
-        <pc:spChg chg="add del">
-          <ac:chgData name="Emily Crose" userId="5a1598ef78992c55" providerId="LiveId" clId="{ED9979D7-1D45-4F0D-9B2D-A971C5E0432B}" dt="2023-04-11T15:01:00.018" v="138" actId="700"/>
-          <ac:spMkLst>
-            <pc:docMk/>
-            <pc:sldMk cId="1357691262" sldId="282"/>
-            <ac:spMk id="17" creationId="{FBAF941A-6830-47A3-B63C-7C7B66AEA73B}"/>
-          </ac:spMkLst>
-        </pc:spChg>
-        <pc:picChg chg="del">
-          <ac:chgData name="Emily Crose" userId="5a1598ef78992c55" providerId="LiveId" clId="{ED9979D7-1D45-4F0D-9B2D-A971C5E0432B}" dt="2023-04-11T15:00:38.185" v="133" actId="478"/>
-          <ac:picMkLst>
-            <pc:docMk/>
-            <pc:sldMk cId="1357691262" sldId="282"/>
-            <ac:picMk id="3" creationId="{310B20C3-821A-055B-A175-C5FC1BDAE15E}"/>
-          </ac:picMkLst>
-        </pc:picChg>
-        <pc:picChg chg="add mod">
-          <ac:chgData name="Emily Crose" userId="5a1598ef78992c55" providerId="LiveId" clId="{ED9979D7-1D45-4F0D-9B2D-A971C5E0432B}" dt="2023-04-11T15:00:50.090" v="137" actId="26606"/>
-          <ac:picMkLst>
-            <pc:docMk/>
-            <pc:sldMk cId="1357691262" sldId="282"/>
-            <ac:picMk id="4" creationId="{7ADF5970-B0BA-8B36-6B4C-F9AD2D7F1394}"/>
-          </ac:picMkLst>
-        </pc:picChg>
-      </pc:sldChg>
-      <pc:sldChg chg="addSp modSp mod setBg setClrOvrMap">
-        <pc:chgData name="Emily Crose" userId="5a1598ef78992c55" providerId="LiveId" clId="{ED9979D7-1D45-4F0D-9B2D-A971C5E0432B}" dt="2023-04-11T15:15:21.248" v="191" actId="26606"/>
-        <pc:sldMkLst>
-          <pc:docMk/>
-          <pc:sldMk cId="2500225662" sldId="283"/>
-        </pc:sldMkLst>
-        <pc:spChg chg="mod">
-          <ac:chgData name="Emily Crose" userId="5a1598ef78992c55" providerId="LiveId" clId="{ED9979D7-1D45-4F0D-9B2D-A971C5E0432B}" dt="2023-04-11T15:15:21.248" v="191" actId="26606"/>
-          <ac:spMkLst>
-            <pc:docMk/>
-            <pc:sldMk cId="2500225662" sldId="283"/>
-            <ac:spMk id="2" creationId="{58B9C2AC-F38E-1E06-B23E-8429343EB29B}"/>
-          </ac:spMkLst>
-        </pc:spChg>
-        <pc:spChg chg="mod">
-          <ac:chgData name="Emily Crose" userId="5a1598ef78992c55" providerId="LiveId" clId="{ED9979D7-1D45-4F0D-9B2D-A971C5E0432B}" dt="2023-04-11T15:15:21.248" v="191" actId="26606"/>
-          <ac:spMkLst>
-            <pc:docMk/>
-            <pc:sldMk cId="2500225662" sldId="283"/>
-            <ac:spMk id="3" creationId="{D592358E-4B1A-DD8C-3021-2354DF72711C}"/>
-          </ac:spMkLst>
-        </pc:spChg>
-        <pc:spChg chg="add">
-          <ac:chgData name="Emily Crose" userId="5a1598ef78992c55" providerId="LiveId" clId="{ED9979D7-1D45-4F0D-9B2D-A971C5E0432B}" dt="2023-04-11T15:15:21.248" v="191" actId="26606"/>
-          <ac:spMkLst>
-            <pc:docMk/>
-            <pc:sldMk cId="2500225662" sldId="283"/>
-            <ac:spMk id="10" creationId="{EC7FF834-B204-4967-8D47-8BB36EAF0EF5}"/>
-          </ac:spMkLst>
-        </pc:spChg>
-        <pc:spChg chg="add">
-          <ac:chgData name="Emily Crose" userId="5a1598ef78992c55" providerId="LiveId" clId="{ED9979D7-1D45-4F0D-9B2D-A971C5E0432B}" dt="2023-04-11T15:15:21.248" v="191" actId="26606"/>
-          <ac:spMkLst>
-            <pc:docMk/>
-            <pc:sldMk cId="2500225662" sldId="283"/>
-            <ac:spMk id="12" creationId="{F780A22D-61EA-43E3-BD94-3E39CF902160}"/>
-          </ac:spMkLst>
-        </pc:spChg>
-        <pc:picChg chg="add">
-          <ac:chgData name="Emily Crose" userId="5a1598ef78992c55" providerId="LiveId" clId="{ED9979D7-1D45-4F0D-9B2D-A971C5E0432B}" dt="2023-04-11T15:15:21.248" v="191" actId="26606"/>
-          <ac:picMkLst>
-            <pc:docMk/>
-            <pc:sldMk cId="2500225662" sldId="283"/>
-            <ac:picMk id="7" creationId="{5E0A37C2-289D-2063-295E-FF9C15321A39}"/>
-          </ac:picMkLst>
-        </pc:picChg>
-      </pc:sldChg>
-      <pc:sldChg chg="ord">
-        <pc:chgData name="Emily Crose" userId="5a1598ef78992c55" providerId="LiveId" clId="{ED9979D7-1D45-4F0D-9B2D-A971C5E0432B}" dt="2023-04-11T15:02:08.267" v="161"/>
-        <pc:sldMkLst>
-          <pc:docMk/>
-          <pc:sldMk cId="1368545748" sldId="287"/>
-        </pc:sldMkLst>
-      </pc:sldChg>
-      <pc:sldChg chg="addSp modSp mod ord setBg">
-        <pc:chgData name="Emily Crose" userId="5a1598ef78992c55" providerId="LiveId" clId="{ED9979D7-1D45-4F0D-9B2D-A971C5E0432B}" dt="2023-04-11T15:15:28.766" v="192" actId="26606"/>
-        <pc:sldMkLst>
-          <pc:docMk/>
-          <pc:sldMk cId="879938734" sldId="288"/>
-        </pc:sldMkLst>
-        <pc:spChg chg="mod">
-          <ac:chgData name="Emily Crose" userId="5a1598ef78992c55" providerId="LiveId" clId="{ED9979D7-1D45-4F0D-9B2D-A971C5E0432B}" dt="2023-04-11T15:15:28.766" v="192" actId="26606"/>
-          <ac:spMkLst>
-            <pc:docMk/>
-            <pc:sldMk cId="879938734" sldId="288"/>
-            <ac:spMk id="2" creationId="{204030D5-98D7-3B7D-1061-2FD23B136418}"/>
-          </ac:spMkLst>
-        </pc:spChg>
-        <pc:spChg chg="mod">
-          <ac:chgData name="Emily Crose" userId="5a1598ef78992c55" providerId="LiveId" clId="{ED9979D7-1D45-4F0D-9B2D-A971C5E0432B}" dt="2023-04-11T15:15:28.766" v="192" actId="26606"/>
-          <ac:spMkLst>
-            <pc:docMk/>
-            <pc:sldMk cId="879938734" sldId="288"/>
-            <ac:spMk id="3" creationId="{859070D2-AC6F-54F3-9023-0532BBDB031A}"/>
-          </ac:spMkLst>
-        </pc:spChg>
-        <pc:picChg chg="add mod ord">
-          <ac:chgData name="Emily Crose" userId="5a1598ef78992c55" providerId="LiveId" clId="{ED9979D7-1D45-4F0D-9B2D-A971C5E0432B}" dt="2023-04-11T15:15:28.766" v="192" actId="26606"/>
-          <ac:picMkLst>
-            <pc:docMk/>
-            <pc:sldMk cId="879938734" sldId="288"/>
-            <ac:picMk id="5" creationId="{161BB8E0-CA50-4210-399F-364B281401F7}"/>
-          </ac:picMkLst>
-        </pc:picChg>
-      </pc:sldChg>
-      <pc:sldChg chg="mod ord modShow">
-        <pc:chgData name="Emily Crose" userId="5a1598ef78992c55" providerId="LiveId" clId="{ED9979D7-1D45-4F0D-9B2D-A971C5E0432B}" dt="2023-04-12T12:01:44.112" v="273" actId="729"/>
-        <pc:sldMkLst>
-          <pc:docMk/>
-          <pc:sldMk cId="3482304054" sldId="289"/>
-        </pc:sldMkLst>
-      </pc:sldChg>
-      <pc:sldChg chg="addSp delSp modSp new mod modClrScheme chgLayout">
-        <pc:chgData name="Emily Crose" userId="5a1598ef78992c55" providerId="LiveId" clId="{ED9979D7-1D45-4F0D-9B2D-A971C5E0432B}" dt="2023-04-11T14:08:52.183" v="12" actId="1076"/>
-        <pc:sldMkLst>
-          <pc:docMk/>
-          <pc:sldMk cId="252828928" sldId="290"/>
-        </pc:sldMkLst>
-        <pc:spChg chg="del">
-          <ac:chgData name="Emily Crose" userId="5a1598ef78992c55" providerId="LiveId" clId="{ED9979D7-1D45-4F0D-9B2D-A971C5E0432B}" dt="2023-04-11T14:08:41.184" v="8" actId="700"/>
-          <ac:spMkLst>
-            <pc:docMk/>
-            <pc:sldMk cId="252828928" sldId="290"/>
-            <ac:spMk id="2" creationId="{38CC2F03-B0F0-9576-7C83-E2B025A93DF1}"/>
-          </ac:spMkLst>
-        </pc:spChg>
-        <pc:spChg chg="del">
-          <ac:chgData name="Emily Crose" userId="5a1598ef78992c55" providerId="LiveId" clId="{ED9979D7-1D45-4F0D-9B2D-A971C5E0432B}" dt="2023-04-11T14:08:30.477" v="3"/>
-          <ac:spMkLst>
-            <pc:docMk/>
-            <pc:sldMk cId="252828928" sldId="290"/>
-            <ac:spMk id="3" creationId="{D8C52E39-63F7-F49E-C2EB-787CB0F597FF}"/>
-          </ac:spMkLst>
-        </pc:spChg>
-        <pc:picChg chg="add mod ord">
-          <ac:chgData name="Emily Crose" userId="5a1598ef78992c55" providerId="LiveId" clId="{ED9979D7-1D45-4F0D-9B2D-A971C5E0432B}" dt="2023-04-11T14:08:52.183" v="12" actId="1076"/>
-          <ac:picMkLst>
-            <pc:docMk/>
-            <pc:sldMk cId="252828928" sldId="290"/>
-            <ac:picMk id="5" creationId="{7C2F36E6-B02D-B333-8DD5-F1F8F5C576F7}"/>
-          </ac:picMkLst>
-        </pc:picChg>
-      </pc:sldChg>
-      <pc:sldChg chg="addSp delSp modSp new mod">
-        <pc:chgData name="Emily Crose" userId="5a1598ef78992c55" providerId="LiveId" clId="{ED9979D7-1D45-4F0D-9B2D-A971C5E0432B}" dt="2023-04-11T14:24:12.422" v="57" actId="1076"/>
-        <pc:sldMkLst>
-          <pc:docMk/>
-          <pc:sldMk cId="2397267575" sldId="291"/>
-        </pc:sldMkLst>
-        <pc:spChg chg="mod">
-          <ac:chgData name="Emily Crose" userId="5a1598ef78992c55" providerId="LiveId" clId="{ED9979D7-1D45-4F0D-9B2D-A971C5E0432B}" dt="2023-04-11T14:23:58.612" v="51" actId="20577"/>
-          <ac:spMkLst>
-            <pc:docMk/>
-            <pc:sldMk cId="2397267575" sldId="291"/>
-            <ac:spMk id="2" creationId="{B503BBC7-968E-A9BB-1B09-DF1ECAAB9C3C}"/>
-          </ac:spMkLst>
-        </pc:spChg>
-        <pc:spChg chg="del">
-          <ac:chgData name="Emily Crose" userId="5a1598ef78992c55" providerId="LiveId" clId="{ED9979D7-1D45-4F0D-9B2D-A971C5E0432B}" dt="2023-04-11T14:24:05.838" v="52"/>
-          <ac:spMkLst>
-            <pc:docMk/>
-            <pc:sldMk cId="2397267575" sldId="291"/>
-            <ac:spMk id="3" creationId="{0D737DD1-CD7D-11C1-A5D5-FE207A318412}"/>
-          </ac:spMkLst>
-        </pc:spChg>
-        <pc:picChg chg="add mod">
-          <ac:chgData name="Emily Crose" userId="5a1598ef78992c55" providerId="LiveId" clId="{ED9979D7-1D45-4F0D-9B2D-A971C5E0432B}" dt="2023-04-11T14:24:12.422" v="57" actId="1076"/>
-          <ac:picMkLst>
-            <pc:docMk/>
-            <pc:sldMk cId="2397267575" sldId="291"/>
-            <ac:picMk id="5" creationId="{7B6B8DE3-C0C4-A116-9482-6F1804A2EAF9}"/>
-          </ac:picMkLst>
-        </pc:picChg>
-      </pc:sldChg>
-      <pc:sldChg chg="addSp delSp modSp new mod setBg modClrScheme delDesignElem chgLayout">
-        <pc:chgData name="Emily Crose" userId="5a1598ef78992c55" providerId="LiveId" clId="{ED9979D7-1D45-4F0D-9B2D-A971C5E0432B}" dt="2023-04-11T14:45:53.387" v="132" actId="20577"/>
-        <pc:sldMkLst>
-          <pc:docMk/>
-          <pc:sldMk cId="2072247977" sldId="292"/>
-        </pc:sldMkLst>
-        <pc:spChg chg="add mod ord">
-          <ac:chgData name="Emily Crose" userId="5a1598ef78992c55" providerId="LiveId" clId="{ED9979D7-1D45-4F0D-9B2D-A971C5E0432B}" dt="2023-04-11T14:45:53.387" v="132" actId="20577"/>
-          <ac:spMkLst>
-            <pc:docMk/>
-            <pc:sldMk cId="2072247977" sldId="292"/>
-            <ac:spMk id="4" creationId="{34D6185B-FBA7-3F7C-0E91-F6CDC4DB3186}"/>
-          </ac:spMkLst>
-        </pc:spChg>
-        <pc:spChg chg="add del mod ord">
-          <ac:chgData name="Emily Crose" userId="5a1598ef78992c55" providerId="LiveId" clId="{ED9979D7-1D45-4F0D-9B2D-A971C5E0432B}" dt="2023-04-11T14:45:38.714" v="101" actId="26606"/>
-          <ac:spMkLst>
-            <pc:docMk/>
-            <pc:sldMk cId="2072247977" sldId="292"/>
-            <ac:spMk id="5" creationId="{8853C6B9-AAE3-FA34-5586-2C3BA767950C}"/>
-          </ac:spMkLst>
-        </pc:spChg>
-        <pc:spChg chg="add del">
-          <ac:chgData name="Emily Crose" userId="5a1598ef78992c55" providerId="LiveId" clId="{ED9979D7-1D45-4F0D-9B2D-A971C5E0432B}" dt="2023-04-11T14:45:36.412" v="100" actId="700"/>
-          <ac:spMkLst>
-            <pc:docMk/>
-            <pc:sldMk cId="2072247977" sldId="292"/>
-            <ac:spMk id="8" creationId="{9A30BEE6-CF9E-4712-A953-4B67901FC5F5}"/>
-          </ac:spMkLst>
-        </pc:spChg>
-        <pc:spChg chg="add">
-          <ac:chgData name="Emily Crose" userId="5a1598ef78992c55" providerId="LiveId" clId="{ED9979D7-1D45-4F0D-9B2D-A971C5E0432B}" dt="2023-04-11T14:45:38.714" v="101" actId="26606"/>
-          <ac:spMkLst>
-            <pc:docMk/>
-            <pc:sldMk cId="2072247977" sldId="292"/>
-            <ac:spMk id="10" creationId="{9A30BEE6-CF9E-4712-A953-4B67901FC5F5}"/>
-          </ac:spMkLst>
-        </pc:spChg>
-        <pc:picChg chg="add mod ord">
-          <ac:chgData name="Emily Crose" userId="5a1598ef78992c55" providerId="LiveId" clId="{ED9979D7-1D45-4F0D-9B2D-A971C5E0432B}" dt="2023-04-11T14:45:38.714" v="101" actId="26606"/>
-          <ac:picMkLst>
-            <pc:docMk/>
-            <pc:sldMk cId="2072247977" sldId="292"/>
-            <ac:picMk id="3" creationId="{47F4F58C-3868-B47D-6DF8-A9F3756CD33B}"/>
-          </ac:picMkLst>
-        </pc:picChg>
-      </pc:sldChg>
-      <pc:sldChg chg="addSp delSp modSp new mod setBg">
-        <pc:chgData name="Emily Crose" userId="5a1598ef78992c55" providerId="LiveId" clId="{ED9979D7-1D45-4F0D-9B2D-A971C5E0432B}" dt="2023-04-11T14:45:19.409" v="98" actId="26606"/>
-        <pc:sldMkLst>
-          <pc:docMk/>
-          <pc:sldMk cId="1665156498" sldId="293"/>
-        </pc:sldMkLst>
-        <pc:spChg chg="mod ord">
-          <ac:chgData name="Emily Crose" userId="5a1598ef78992c55" providerId="LiveId" clId="{ED9979D7-1D45-4F0D-9B2D-A971C5E0432B}" dt="2023-04-11T14:45:19.409" v="98" actId="26606"/>
-          <ac:spMkLst>
-            <pc:docMk/>
-            <pc:sldMk cId="1665156498" sldId="293"/>
-            <ac:spMk id="2" creationId="{F57B86BA-F2F0-9A36-F3A8-32194771A64B}"/>
-          </ac:spMkLst>
-        </pc:spChg>
-        <pc:spChg chg="del">
-          <ac:chgData name="Emily Crose" userId="5a1598ef78992c55" providerId="LiveId" clId="{ED9979D7-1D45-4F0D-9B2D-A971C5E0432B}" dt="2023-04-11T14:43:15.790" v="93"/>
-          <ac:spMkLst>
-            <pc:docMk/>
-            <pc:sldMk cId="1665156498" sldId="293"/>
-            <ac:spMk id="3" creationId="{6066F1B9-B3D5-69C3-F92B-9275C6AAE676}"/>
-          </ac:spMkLst>
-        </pc:spChg>
-        <pc:spChg chg="add">
-          <ac:chgData name="Emily Crose" userId="5a1598ef78992c55" providerId="LiveId" clId="{ED9979D7-1D45-4F0D-9B2D-A971C5E0432B}" dt="2023-04-11T14:45:19.409" v="98" actId="26606"/>
-          <ac:spMkLst>
-            <pc:docMk/>
-            <pc:sldMk cId="1665156498" sldId="293"/>
-            <ac:spMk id="10" creationId="{5FA21C72-692C-49FD-9EB4-DDDDDEBD4BD6}"/>
-          </ac:spMkLst>
-        </pc:spChg>
-        <pc:spChg chg="add">
-          <ac:chgData name="Emily Crose" userId="5a1598ef78992c55" providerId="LiveId" clId="{ED9979D7-1D45-4F0D-9B2D-A971C5E0432B}" dt="2023-04-11T14:45:19.409" v="98" actId="26606"/>
-          <ac:spMkLst>
-            <pc:docMk/>
-            <pc:sldMk cId="1665156498" sldId="293"/>
-            <ac:spMk id="12" creationId="{FBAF941A-6830-47A3-B63C-7C7B66AEA73B}"/>
-          </ac:spMkLst>
-        </pc:spChg>
-        <pc:picChg chg="add mod">
-          <ac:chgData name="Emily Crose" userId="5a1598ef78992c55" providerId="LiveId" clId="{ED9979D7-1D45-4F0D-9B2D-A971C5E0432B}" dt="2023-04-11T14:45:19.409" v="98" actId="26606"/>
-          <ac:picMkLst>
-            <pc:docMk/>
-            <pc:sldMk cId="1665156498" sldId="293"/>
-            <ac:picMk id="5" creationId="{E7B7330E-B0FD-23B2-CDDB-5C7F5FEDA98A}"/>
-          </ac:picMkLst>
-        </pc:picChg>
-      </pc:sldChg>
-      <pc:sldChg chg="addSp modSp new mod setBg">
-        <pc:chgData name="Emily Crose" userId="5a1598ef78992c55" providerId="LiveId" clId="{ED9979D7-1D45-4F0D-9B2D-A971C5E0432B}" dt="2023-04-11T15:12:40.970" v="190" actId="26606"/>
-        <pc:sldMkLst>
-          <pc:docMk/>
-          <pc:sldMk cId="3782519446" sldId="294"/>
-        </pc:sldMkLst>
-        <pc:spChg chg="mod">
-          <ac:chgData name="Emily Crose" userId="5a1598ef78992c55" providerId="LiveId" clId="{ED9979D7-1D45-4F0D-9B2D-A971C5E0432B}" dt="2023-04-11T15:12:40.970" v="190" actId="26606"/>
-          <ac:spMkLst>
-            <pc:docMk/>
-            <pc:sldMk cId="3782519446" sldId="294"/>
-            <ac:spMk id="2" creationId="{B31FD8DD-DB68-A28D-4570-B4DDCE3B348A}"/>
-          </ac:spMkLst>
-        </pc:spChg>
-        <pc:spChg chg="add">
-          <ac:chgData name="Emily Crose" userId="5a1598ef78992c55" providerId="LiveId" clId="{ED9979D7-1D45-4F0D-9B2D-A971C5E0432B}" dt="2023-04-11T15:12:40.970" v="190" actId="26606"/>
-          <ac:spMkLst>
-            <pc:docMk/>
-            <pc:sldMk cId="3782519446" sldId="294"/>
-            <ac:spMk id="9" creationId="{1E14715B-2E40-4760-AE23-026845A30A49}"/>
-          </ac:spMkLst>
-        </pc:spChg>
-        <pc:spChg chg="add">
-          <ac:chgData name="Emily Crose" userId="5a1598ef78992c55" providerId="LiveId" clId="{ED9979D7-1D45-4F0D-9B2D-A971C5E0432B}" dt="2023-04-11T15:12:40.970" v="190" actId="26606"/>
-          <ac:spMkLst>
-            <pc:docMk/>
-            <pc:sldMk cId="3782519446" sldId="294"/>
-            <ac:spMk id="11" creationId="{45D08429-4C7A-4C37-848C-C1613E31D53A}"/>
-          </ac:spMkLst>
-        </pc:spChg>
-        <pc:spChg chg="add">
-          <ac:chgData name="Emily Crose" userId="5a1598ef78992c55" providerId="LiveId" clId="{ED9979D7-1D45-4F0D-9B2D-A971C5E0432B}" dt="2023-04-11T15:12:40.970" v="190" actId="26606"/>
-          <ac:spMkLst>
-            <pc:docMk/>
-            <pc:sldMk cId="3782519446" sldId="294"/>
-            <ac:spMk id="13" creationId="{DD8F4B2B-96EA-4C0F-84D3-5728F7CF0B0B}"/>
-          </ac:spMkLst>
-        </pc:spChg>
-        <pc:picChg chg="add mod">
-          <ac:chgData name="Emily Crose" userId="5a1598ef78992c55" providerId="LiveId" clId="{ED9979D7-1D45-4F0D-9B2D-A971C5E0432B}" dt="2023-04-11T15:12:40.970" v="190" actId="26606"/>
-          <ac:picMkLst>
-            <pc:docMk/>
-            <pc:sldMk cId="3782519446" sldId="294"/>
-            <ac:picMk id="4" creationId="{525DBD2C-07A7-A04F-3E07-AC1150B4C4BA}"/>
-          </ac:picMkLst>
-        </pc:picChg>
-      </pc:sldChg>
-      <pc:sldChg chg="addSp delSp modSp new mod ord setBg chgLayout">
-        <pc:chgData name="Emily Crose" userId="5a1598ef78992c55" providerId="LiveId" clId="{ED9979D7-1D45-4F0D-9B2D-A971C5E0432B}" dt="2023-04-11T15:52:24.816" v="271" actId="26606"/>
-        <pc:sldMkLst>
-          <pc:docMk/>
-          <pc:sldMk cId="1819572938" sldId="295"/>
-        </pc:sldMkLst>
-        <pc:spChg chg="del mod ord">
-          <ac:chgData name="Emily Crose" userId="5a1598ef78992c55" providerId="LiveId" clId="{ED9979D7-1D45-4F0D-9B2D-A971C5E0432B}" dt="2023-04-11T15:50:59.428" v="194" actId="700"/>
-          <ac:spMkLst>
-            <pc:docMk/>
-            <pc:sldMk cId="1819572938" sldId="295"/>
-            <ac:spMk id="2" creationId="{1F6DAE25-0420-0903-2AEA-E98C859BA723}"/>
-          </ac:spMkLst>
-        </pc:spChg>
-        <pc:spChg chg="add mod ord">
-          <ac:chgData name="Emily Crose" userId="5a1598ef78992c55" providerId="LiveId" clId="{ED9979D7-1D45-4F0D-9B2D-A971C5E0432B}" dt="2023-04-11T15:52:24.816" v="271" actId="26606"/>
-          <ac:spMkLst>
-            <pc:docMk/>
-            <pc:sldMk cId="1819572938" sldId="295"/>
-            <ac:spMk id="3" creationId="{B14F37FB-E88D-E575-E938-093BD4CF80BF}"/>
-          </ac:spMkLst>
-        </pc:spChg>
-        <pc:spChg chg="add mod ord">
-          <ac:chgData name="Emily Crose" userId="5a1598ef78992c55" providerId="LiveId" clId="{ED9979D7-1D45-4F0D-9B2D-A971C5E0432B}" dt="2023-04-11T15:52:24.816" v="271" actId="26606"/>
-          <ac:spMkLst>
-            <pc:docMk/>
-            <pc:sldMk cId="1819572938" sldId="295"/>
-            <ac:spMk id="4" creationId="{523AE960-1EFB-EF71-757F-BF358F42F7F3}"/>
-          </ac:spMkLst>
-        </pc:spChg>
-        <pc:spChg chg="add del">
-          <ac:chgData name="Emily Crose" userId="5a1598ef78992c55" providerId="LiveId" clId="{ED9979D7-1D45-4F0D-9B2D-A971C5E0432B}" dt="2023-04-11T15:52:24.811" v="270" actId="26606"/>
-          <ac:spMkLst>
-            <pc:docMk/>
-            <pc:sldMk cId="1819572938" sldId="295"/>
-            <ac:spMk id="10" creationId="{17928EA2-88ED-424C-A811-B45B398FBAFA}"/>
-          </ac:spMkLst>
-        </pc:spChg>
-        <pc:spChg chg="add del">
-          <ac:chgData name="Emily Crose" userId="5a1598ef78992c55" providerId="LiveId" clId="{ED9979D7-1D45-4F0D-9B2D-A971C5E0432B}" dt="2023-04-11T15:52:24.811" v="270" actId="26606"/>
-          <ac:spMkLst>
-            <pc:docMk/>
-            <pc:sldMk cId="1819572938" sldId="295"/>
-            <ac:spMk id="12" creationId="{304F0B90-9D71-4D15-94CC-B9E1F445BA28}"/>
-          </ac:spMkLst>
-        </pc:spChg>
-        <pc:picChg chg="add del">
-          <ac:chgData name="Emily Crose" userId="5a1598ef78992c55" providerId="LiveId" clId="{ED9979D7-1D45-4F0D-9B2D-A971C5E0432B}" dt="2023-04-11T15:52:23.710" v="268" actId="26606"/>
-          <ac:picMkLst>
-            <pc:docMk/>
-            <pc:sldMk cId="1819572938" sldId="295"/>
-            <ac:picMk id="6" creationId="{0C741128-6F26-C237-29CE-103494883CAC}"/>
-          </ac:picMkLst>
-        </pc:picChg>
-        <pc:picChg chg="add del">
-          <ac:chgData name="Emily Crose" userId="5a1598ef78992c55" providerId="LiveId" clId="{ED9979D7-1D45-4F0D-9B2D-A971C5E0432B}" dt="2023-04-11T15:52:24.811" v="270" actId="26606"/>
-          <ac:picMkLst>
-            <pc:docMk/>
-            <pc:sldMk cId="1819572938" sldId="295"/>
-            <ac:picMk id="8" creationId="{338FE064-78F6-80D6-6C46-ED13FDF6271E}"/>
-          </ac:picMkLst>
-        </pc:picChg>
-        <pc:picChg chg="add">
-          <ac:chgData name="Emily Crose" userId="5a1598ef78992c55" providerId="LiveId" clId="{ED9979D7-1D45-4F0D-9B2D-A971C5E0432B}" dt="2023-04-11T15:52:24.816" v="271" actId="26606"/>
-          <ac:picMkLst>
-            <pc:docMk/>
-            <pc:sldMk cId="1819572938" sldId="295"/>
-            <ac:picMk id="14" creationId="{48868C10-01A0-A6D5-DC86-DE52CEFDEB09}"/>
-          </ac:picMkLst>
-        </pc:picChg>
-      </pc:sldChg>
-      <pc:sldChg chg="addSp modSp new mod">
-        <pc:chgData name="Emily Crose" userId="5a1598ef78992c55" providerId="LiveId" clId="{ED9979D7-1D45-4F0D-9B2D-A971C5E0432B}" dt="2023-04-11T15:52:01.544" v="266" actId="962"/>
-        <pc:sldMkLst>
-          <pc:docMk/>
-          <pc:sldMk cId="2541419034" sldId="296"/>
-        </pc:sldMkLst>
-        <pc:picChg chg="add mod">
-          <ac:chgData name="Emily Crose" userId="5a1598ef78992c55" providerId="LiveId" clId="{ED9979D7-1D45-4F0D-9B2D-A971C5E0432B}" dt="2023-04-11T15:52:01.544" v="266" actId="962"/>
-          <ac:picMkLst>
-            <pc:docMk/>
-            <pc:sldMk cId="2541419034" sldId="296"/>
-            <ac:picMk id="3" creationId="{68C49C86-1EC0-0839-1272-6B6E81638BCC}"/>
-          </ac:picMkLst>
-        </pc:picChg>
-      </pc:sldChg>
     </pc:docChg>
   </pc:docChgLst>
   <pc:docChgLst>
@@ -17926,7 +17949,7 @@
           <a:effectLst/>
           <a:extLst>
             <a:ext uri="{91240B29-F687-4f45-9708-019B960494DF}">
-              <a14:hiddenLine xmlns:a14="http://schemas.microsoft.com/office/drawing/2010/main" xmlns="" w="9525">
+              <a14:hiddenLine xmlns="" xmlns:a14="http://schemas.microsoft.com/office/drawing/2010/main" w="9525">
                 <a:solidFill>
                   <a:srgbClr val="000000"/>
                 </a:solidFill>
@@ -19455,7 +19478,7 @@
           <a:ln/>
           <a:extLst>
             <a:ext uri="{91240B29-F687-4f45-9708-019B960494DF}">
-              <a14:hiddenLine xmlns:a14="http://schemas.microsoft.com/office/drawing/2010/main" xmlns="" w="9525">
+              <a14:hiddenLine xmlns="" xmlns:a14="http://schemas.microsoft.com/office/drawing/2010/main" w="9525">
                 <a:solidFill>
                   <a:srgbClr val="000000"/>
                 </a:solidFill>
@@ -19732,7 +19755,7 @@
           <a:ln/>
           <a:extLst>
             <a:ext uri="{91240B29-F687-4f45-9708-019B960494DF}">
-              <a14:hiddenLine xmlns:a14="http://schemas.microsoft.com/office/drawing/2010/main" xmlns="" w="9525">
+              <a14:hiddenLine xmlns="" xmlns:a14="http://schemas.microsoft.com/office/drawing/2010/main" w="9525">
                 <a:solidFill>
                   <a:srgbClr val="000000"/>
                 </a:solidFill>
@@ -20017,7 +20040,7 @@
           <a:ln/>
           <a:extLst>
             <a:ext uri="{91240B29-F687-4f45-9708-019B960494DF}">
-              <a14:hiddenLine xmlns:a14="http://schemas.microsoft.com/office/drawing/2010/main" xmlns="" w="9525">
+              <a14:hiddenLine xmlns="" xmlns:a14="http://schemas.microsoft.com/office/drawing/2010/main" w="9525">
                 <a:solidFill>
                   <a:srgbClr val="000000"/>
                 </a:solidFill>
@@ -20646,7 +20669,7 @@
           <a:ln/>
           <a:extLst>
             <a:ext uri="{91240B29-F687-4f45-9708-019B960494DF}">
-              <a14:hiddenLine xmlns:a14="http://schemas.microsoft.com/office/drawing/2010/main" xmlns="" w="9525">
+              <a14:hiddenLine xmlns="" xmlns:a14="http://schemas.microsoft.com/office/drawing/2010/main" w="9525">
                 <a:solidFill>
                   <a:srgbClr val="000000"/>
                 </a:solidFill>
@@ -20987,7 +21010,7 @@
           <a:ln/>
           <a:extLst>
             <a:ext uri="{91240B29-F687-4f45-9708-019B960494DF}">
-              <a14:hiddenLine xmlns:a14="http://schemas.microsoft.com/office/drawing/2010/main" xmlns="" w="9525">
+              <a14:hiddenLine xmlns="" xmlns:a14="http://schemas.microsoft.com/office/drawing/2010/main" w="9525">
                 <a:solidFill>
                   <a:srgbClr val="000000"/>
                 </a:solidFill>
@@ -21466,7 +21489,7 @@
           <a:ln/>
           <a:extLst>
             <a:ext uri="{91240B29-F687-4f45-9708-019B960494DF}">
-              <a14:hiddenLine xmlns:a14="http://schemas.microsoft.com/office/drawing/2010/main" xmlns="" w="9525">
+              <a14:hiddenLine xmlns="" xmlns:a14="http://schemas.microsoft.com/office/drawing/2010/main" w="9525">
                 <a:solidFill>
                   <a:srgbClr val="000000"/>
                 </a:solidFill>
@@ -21895,7 +21918,7 @@
           <a:ln/>
           <a:extLst>
             <a:ext uri="{91240B29-F687-4f45-9708-019B960494DF}">
-              <a14:hiddenLine xmlns:a14="http://schemas.microsoft.com/office/drawing/2010/main" xmlns="" w="9525">
+              <a14:hiddenLine xmlns="" xmlns:a14="http://schemas.microsoft.com/office/drawing/2010/main" w="9525">
                 <a:solidFill>
                   <a:srgbClr val="000000"/>
                 </a:solidFill>
@@ -23121,7 +23144,7 @@
     <p:bg>
       <p:bgPr>
         <a:solidFill>
-          <a:schemeClr val="bg1"/>
+          <a:schemeClr val="bg2"/>
         </a:solidFill>
         <a:effectLst/>
       </p:bgPr>
@@ -23142,7 +23165,7 @@
       </p:grpSpPr>
       <p:sp>
         <p:nvSpPr>
-          <p:cNvPr id="16" name="Freeform 6">
+          <p:cNvPr id="24" name="Freeform 6">
             <a:extLst>
               <a:ext uri="{FF2B5EF4-FFF2-40B4-BE49-F238E27FC236}">
                 <a16:creationId xmlns:a16="http://schemas.microsoft.com/office/drawing/2014/main" id="{8EE457FF-670E-4EC1-ACD4-1173DA9A7975}"/>
@@ -23262,10 +23285,10 @@
       </p:sp>
       <p:sp useBgFill="1">
         <p:nvSpPr>
-          <p:cNvPr id="18" name="Rectangle 9">
+          <p:cNvPr id="26" name="Rectangle 25">
             <a:extLst>
               <a:ext uri="{FF2B5EF4-FFF2-40B4-BE49-F238E27FC236}">
-                <a16:creationId xmlns:a16="http://schemas.microsoft.com/office/drawing/2014/main" id="{089A69AF-D57B-49B4-886C-D4A5DC194421}"/>
+                <a16:creationId xmlns:a16="http://schemas.microsoft.com/office/drawing/2014/main" id="{35C44DBB-AD7C-4682-B258-6367305D207B}"/>
               </a:ext>
               <a:ext uri="{C183D7F6-B498-43B3-948B-1728B52AA6E4}">
                 <adec:decorative xmlns:adec="http://schemas.microsoft.com/office/drawing/2017/decorative" val="1"/>
@@ -23322,245 +23345,6 @@
       </p:sp>
       <p:sp>
         <p:nvSpPr>
-          <p:cNvPr id="19" name="Freeform: Shape 11">
-            <a:extLst>
-              <a:ext uri="{FF2B5EF4-FFF2-40B4-BE49-F238E27FC236}">
-                <a16:creationId xmlns:a16="http://schemas.microsoft.com/office/drawing/2014/main" id="{CABDC08D-6093-4397-92D4-54D00E2BB1C2}"/>
-              </a:ext>
-              <a:ext uri="{C183D7F6-B498-43B3-948B-1728B52AA6E4}">
-                <adec:decorative xmlns:adec="http://schemas.microsoft.com/office/drawing/2017/decorative" val="1"/>
-              </a:ext>
-            </a:extLst>
-          </p:cNvPr>
-          <p:cNvSpPr>
-            <a:spLocks noGrp="1" noRot="1" noChangeAspect="1" noMove="1" noResize="1" noEditPoints="1" noAdjustHandles="1" noChangeArrowheads="1" noChangeShapeType="1" noTextEdit="1"/>
-          </p:cNvSpPr>
-          <p:nvPr>
-            <p:extLst>
-              <p:ext uri="{386F3935-93C4-4BCD-93E2-E3B085C9AB24}">
-                <p16:designElem xmlns:p16="http://schemas.microsoft.com/office/powerpoint/2015/main" val="1"/>
-              </p:ext>
-            </p:extLst>
-          </p:nvPr>
-        </p:nvSpPr>
-        <p:spPr bwMode="auto">
-          <a:xfrm rot="16200000">
-            <a:off x="-650724" y="650724"/>
-            <a:ext cx="6858000" cy="5556552"/>
-          </a:xfrm>
-          <a:custGeom>
-            <a:avLst/>
-            <a:gdLst>
-              <a:gd name="connsiteX0" fmla="*/ 6858000 w 6858000"/>
-              <a:gd name="connsiteY0" fmla="*/ 3445704 h 5556552"/>
-              <a:gd name="connsiteX1" fmla="*/ 3829242 w 6858000"/>
-              <a:gd name="connsiteY1" fmla="*/ 5433322 h 5556552"/>
-              <a:gd name="connsiteX2" fmla="*/ 3827369 w 6858000"/>
-              <a:gd name="connsiteY2" fmla="*/ 5434867 h 5556552"/>
-              <a:gd name="connsiteX3" fmla="*/ 3824583 w 6858000"/>
-              <a:gd name="connsiteY3" fmla="*/ 5436378 h 5556552"/>
-              <a:gd name="connsiteX4" fmla="*/ 3798693 w 6858000"/>
-              <a:gd name="connsiteY4" fmla="*/ 5453370 h 5556552"/>
-              <a:gd name="connsiteX5" fmla="*/ 3785011 w 6858000"/>
-              <a:gd name="connsiteY5" fmla="*/ 5457858 h 5556552"/>
-              <a:gd name="connsiteX6" fmla="*/ 3706339 w 6858000"/>
-              <a:gd name="connsiteY6" fmla="*/ 5500559 h 5556552"/>
-              <a:gd name="connsiteX7" fmla="*/ 3428998 w 6858000"/>
-              <a:gd name="connsiteY7" fmla="*/ 5556552 h 5556552"/>
-              <a:gd name="connsiteX8" fmla="*/ 3151658 w 6858000"/>
-              <a:gd name="connsiteY8" fmla="*/ 5500559 h 5556552"/>
-              <a:gd name="connsiteX9" fmla="*/ 3072996 w 6858000"/>
-              <a:gd name="connsiteY9" fmla="*/ 5457863 h 5556552"/>
-              <a:gd name="connsiteX10" fmla="*/ 3059298 w 6858000"/>
-              <a:gd name="connsiteY10" fmla="*/ 5453370 h 5556552"/>
-              <a:gd name="connsiteX11" fmla="*/ 3033383 w 6858000"/>
-              <a:gd name="connsiteY11" fmla="*/ 5436362 h 5556552"/>
-              <a:gd name="connsiteX12" fmla="*/ 3030627 w 6858000"/>
-              <a:gd name="connsiteY12" fmla="*/ 5434867 h 5556552"/>
-              <a:gd name="connsiteX13" fmla="*/ 3028775 w 6858000"/>
-              <a:gd name="connsiteY13" fmla="*/ 5433338 h 5556552"/>
-              <a:gd name="connsiteX14" fmla="*/ 0 w 6858000"/>
-              <a:gd name="connsiteY14" fmla="*/ 3445704 h 5556552"/>
-              <a:gd name="connsiteX15" fmla="*/ 6858000 w 6858000"/>
-              <a:gd name="connsiteY15" fmla="*/ 0 h 5556552"/>
-              <a:gd name="connsiteX16" fmla="*/ 6858000 w 6858000"/>
-              <a:gd name="connsiteY16" fmla="*/ 349336 h 5556552"/>
-              <a:gd name="connsiteX17" fmla="*/ 6858000 w 6858000"/>
-              <a:gd name="connsiteY17" fmla="*/ 3445703 h 5556552"/>
-              <a:gd name="connsiteX18" fmla="*/ 0 w 6858000"/>
-              <a:gd name="connsiteY18" fmla="*/ 3445703 h 5556552"/>
-              <a:gd name="connsiteX19" fmla="*/ 0 w 6858000"/>
-              <a:gd name="connsiteY19" fmla="*/ 0 h 5556552"/>
-            </a:gdLst>
-            <a:ahLst/>
-            <a:cxnLst>
-              <a:cxn ang="0">
-                <a:pos x="connsiteX0" y="connsiteY0"/>
-              </a:cxn>
-              <a:cxn ang="0">
-                <a:pos x="connsiteX1" y="connsiteY1"/>
-              </a:cxn>
-              <a:cxn ang="0">
-                <a:pos x="connsiteX2" y="connsiteY2"/>
-              </a:cxn>
-              <a:cxn ang="0">
-                <a:pos x="connsiteX3" y="connsiteY3"/>
-              </a:cxn>
-              <a:cxn ang="0">
-                <a:pos x="connsiteX4" y="connsiteY4"/>
-              </a:cxn>
-              <a:cxn ang="0">
-                <a:pos x="connsiteX5" y="connsiteY5"/>
-              </a:cxn>
-              <a:cxn ang="0">
-                <a:pos x="connsiteX6" y="connsiteY6"/>
-              </a:cxn>
-              <a:cxn ang="0">
-                <a:pos x="connsiteX7" y="connsiteY7"/>
-              </a:cxn>
-              <a:cxn ang="0">
-                <a:pos x="connsiteX8" y="connsiteY8"/>
-              </a:cxn>
-              <a:cxn ang="0">
-                <a:pos x="connsiteX9" y="connsiteY9"/>
-              </a:cxn>
-              <a:cxn ang="0">
-                <a:pos x="connsiteX10" y="connsiteY10"/>
-              </a:cxn>
-              <a:cxn ang="0">
-                <a:pos x="connsiteX11" y="connsiteY11"/>
-              </a:cxn>
-              <a:cxn ang="0">
-                <a:pos x="connsiteX12" y="connsiteY12"/>
-              </a:cxn>
-              <a:cxn ang="0">
-                <a:pos x="connsiteX13" y="connsiteY13"/>
-              </a:cxn>
-              <a:cxn ang="0">
-                <a:pos x="connsiteX14" y="connsiteY14"/>
-              </a:cxn>
-              <a:cxn ang="0">
-                <a:pos x="connsiteX15" y="connsiteY15"/>
-              </a:cxn>
-              <a:cxn ang="0">
-                <a:pos x="connsiteX16" y="connsiteY16"/>
-              </a:cxn>
-              <a:cxn ang="0">
-                <a:pos x="connsiteX17" y="connsiteY17"/>
-              </a:cxn>
-              <a:cxn ang="0">
-                <a:pos x="connsiteX18" y="connsiteY18"/>
-              </a:cxn>
-              <a:cxn ang="0">
-                <a:pos x="connsiteX19" y="connsiteY19"/>
-              </a:cxn>
-            </a:cxnLst>
-            <a:rect l="l" t="t" r="r" b="b"/>
-            <a:pathLst>
-              <a:path w="6858000" h="5556552">
-                <a:moveTo>
-                  <a:pt x="6858000" y="3445704"/>
-                </a:moveTo>
-                <a:lnTo>
-                  <a:pt x="3829242" y="5433322"/>
-                </a:lnTo>
-                <a:lnTo>
-                  <a:pt x="3827369" y="5434867"/>
-                </a:lnTo>
-                <a:lnTo>
-                  <a:pt x="3824583" y="5436378"/>
-                </a:lnTo>
-                <a:lnTo>
-                  <a:pt x="3798693" y="5453370"/>
-                </a:lnTo>
-                <a:lnTo>
-                  <a:pt x="3785011" y="5457858"/>
-                </a:lnTo>
-                <a:lnTo>
-                  <a:pt x="3706339" y="5500559"/>
-                </a:lnTo>
-                <a:cubicBezTo>
-                  <a:pt x="3621096" y="5536614"/>
-                  <a:pt x="3527375" y="5556552"/>
-                  <a:pt x="3428998" y="5556552"/>
-                </a:cubicBezTo>
-                <a:cubicBezTo>
-                  <a:pt x="3330621" y="5556552"/>
-                  <a:pt x="3236901" y="5536614"/>
-                  <a:pt x="3151658" y="5500559"/>
-                </a:cubicBezTo>
-                <a:lnTo>
-                  <a:pt x="3072996" y="5457863"/>
-                </a:lnTo>
-                <a:lnTo>
-                  <a:pt x="3059298" y="5453370"/>
-                </a:lnTo>
-                <a:lnTo>
-                  <a:pt x="3033383" y="5436362"/>
-                </a:lnTo>
-                <a:lnTo>
-                  <a:pt x="3030627" y="5434867"/>
-                </a:lnTo>
-                <a:lnTo>
-                  <a:pt x="3028775" y="5433338"/>
-                </a:lnTo>
-                <a:lnTo>
-                  <a:pt x="0" y="3445704"/>
-                </a:lnTo>
-                <a:close/>
-                <a:moveTo>
-                  <a:pt x="6858000" y="0"/>
-                </a:moveTo>
-                <a:lnTo>
-                  <a:pt x="6858000" y="349336"/>
-                </a:lnTo>
-                <a:lnTo>
-                  <a:pt x="6858000" y="3445703"/>
-                </a:lnTo>
-                <a:lnTo>
-                  <a:pt x="0" y="3445703"/>
-                </a:lnTo>
-                <a:lnTo>
-                  <a:pt x="0" y="0"/>
-                </a:lnTo>
-                <a:close/>
-              </a:path>
-            </a:pathLst>
-          </a:custGeom>
-          <a:ln>
-            <a:noFill/>
-          </a:ln>
-          <a:effectLst/>
-          <a:extLst>
-            <a:ext uri="{91240B29-F687-4f45-9708-019B960494DF}">
-              <a14:hiddenLine xmlns="" xmlns:a16="http://schemas.microsoft.com/office/drawing/2014/main" xmlns:p14="http://schemas.microsoft.com/office/powerpoint/2010/main" xmlns:a14="http://schemas.microsoft.com/office/drawing/2010/main" w="9525">
-                <a:solidFill>
-                  <a:srgbClr val="000000"/>
-                </a:solidFill>
-                <a:round/>
-                <a:headEnd/>
-                <a:tailEnd/>
-              </a14:hiddenLine>
-            </a:ext>
-          </a:extLst>
-        </p:spPr>
-        <p:style>
-          <a:lnRef idx="1">
-            <a:schemeClr val="accent1"/>
-          </a:lnRef>
-          <a:fillRef idx="3">
-            <a:schemeClr val="accent1"/>
-          </a:fillRef>
-          <a:effectRef idx="2">
-            <a:schemeClr val="accent1"/>
-          </a:effectRef>
-          <a:fontRef idx="minor">
-            <a:schemeClr val="lt1"/>
-          </a:fontRef>
-        </p:style>
-      </p:sp>
-      <p:sp>
-        <p:nvSpPr>
           <p:cNvPr id="2" name="Title 1">
             <a:extLst>
               <a:ext uri="{FF2B5EF4-FFF2-40B4-BE49-F238E27FC236}">
@@ -23577,9 +23361,10 @@
         </p:nvSpPr>
         <p:spPr>
           <a:xfrm>
-            <a:off x="451515" y="1734857"/>
-            <a:ext cx="3765483" cy="3388287"/>
+            <a:off x="965200" y="1218476"/>
+            <a:ext cx="3187318" cy="4421050"/>
           </a:xfrm>
+          <a:effectLst/>
         </p:spPr>
         <p:txBody>
           <a:bodyPr vert="horz" lIns="91440" tIns="45720" rIns="91440" bIns="45720" rtlCol="0" anchor="ctr">
@@ -23587,13 +23372,66 @@
           </a:bodyPr>
           <a:lstStyle/>
           <a:p>
+            <a:pPr algn="r"/>
             <a:r>
-              <a:rPr lang="en-US" sz="4000"/>
+              <a:rPr lang="en-US" sz="3200">
+                <a:solidFill>
+                  <a:schemeClr val="tx1"/>
+                </a:solidFill>
+              </a:rPr>
               <a:t>Introduction to Software Business Product management</a:t>
             </a:r>
           </a:p>
         </p:txBody>
       </p:sp>
+      <p:cxnSp>
+        <p:nvCxnSpPr>
+          <p:cNvPr id="28" name="Straight Connector 27">
+            <a:extLst>
+              <a:ext uri="{FF2B5EF4-FFF2-40B4-BE49-F238E27FC236}">
+                <a16:creationId xmlns:a16="http://schemas.microsoft.com/office/drawing/2014/main" id="{A1CED323-FAF0-4E0B-8717-FC1F468A28FE}"/>
+              </a:ext>
+              <a:ext uri="{C183D7F6-B498-43B3-948B-1728B52AA6E4}">
+                <adec:decorative xmlns:adec="http://schemas.microsoft.com/office/drawing/2017/decorative" val="1"/>
+              </a:ext>
+            </a:extLst>
+          </p:cNvPr>
+          <p:cNvCxnSpPr>
+            <a:cxnSpLocks noGrp="1" noRot="1" noChangeAspect="1" noMove="1" noResize="1" noEditPoints="1" noAdjustHandles="1" noChangeArrowheads="1" noChangeShapeType="1"/>
+          </p:cNvCxnSpPr>
+          <p:nvPr>
+            <p:extLst>
+              <p:ext uri="{386F3935-93C4-4BCD-93E2-E3B085C9AB24}">
+                <p16:designElem xmlns:p16="http://schemas.microsoft.com/office/powerpoint/2015/main" val="1"/>
+              </p:ext>
+            </p:extLst>
+          </p:nvPr>
+        </p:nvCxnSpPr>
+        <p:spPr>
+          <a:xfrm>
+            <a:off x="4649634" y="1696777"/>
+            <a:ext cx="0" cy="3464447"/>
+          </a:xfrm>
+          <a:prstGeom prst="line">
+            <a:avLst/>
+          </a:prstGeom>
+          <a:ln w="22225"/>
+        </p:spPr>
+        <p:style>
+          <a:lnRef idx="1">
+            <a:schemeClr val="accent1"/>
+          </a:lnRef>
+          <a:fillRef idx="0">
+            <a:schemeClr val="accent1"/>
+          </a:fillRef>
+          <a:effectRef idx="0">
+            <a:schemeClr val="accent1"/>
+          </a:effectRef>
+          <a:fontRef idx="minor">
+            <a:schemeClr val="tx1"/>
+          </a:fontRef>
+        </p:style>
+      </p:cxnSp>
       <p:sp>
         <p:nvSpPr>
           <p:cNvPr id="3" name="Subtitle 2">
@@ -23612,8 +23450,8 @@
         </p:nvSpPr>
         <p:spPr>
           <a:xfrm>
-            <a:off x="6008068" y="978993"/>
-            <a:ext cx="5365218" cy="4900014"/>
+            <a:off x="5146751" y="1218475"/>
+            <a:ext cx="6080050" cy="4421051"/>
           </a:xfrm>
           <a:effectLst/>
         </p:spPr>
@@ -23624,25 +23462,25 @@
           <a:lstStyle/>
           <a:p>
             <a:r>
-              <a:rPr lang="en-US" sz="2000" b="1" cap="none" dirty="0"/>
+              <a:rPr lang="en-US" sz="1600" b="1" cap="none" dirty="0"/>
               <a:t>Week 3 Day 1</a:t>
             </a:r>
           </a:p>
           <a:p>
             <a:r>
-              <a:rPr lang="en-US" sz="2000" cap="none" dirty="0"/>
+              <a:rPr lang="en-US" sz="1600" cap="none" dirty="0"/>
               <a:t>Led by: Emily Crose</a:t>
             </a:r>
           </a:p>
           <a:p>
             <a:r>
-              <a:rPr lang="en-US" sz="2000" cap="none" dirty="0"/>
+              <a:rPr lang="en-US" sz="1600" cap="none" dirty="0"/>
               <a:t>for</a:t>
             </a:r>
           </a:p>
           <a:p>
             <a:r>
-              <a:rPr lang="en-US" sz="2000" cap="none" dirty="0"/>
+              <a:rPr lang="en-US" sz="1600" cap="none" dirty="0"/>
               <a:t>Oakland University</a:t>
             </a:r>
           </a:p>
@@ -23656,7 +23494,7 @@
     </p:extLst>
   </p:cSld>
   <p:clrMapOvr>
-    <a:overrideClrMapping bg1="lt1" tx1="dk1" bg2="lt2" tx2="dk2" accent1="accent1" accent2="accent2" accent3="accent3" accent4="accent4" accent5="accent5" accent6="accent6" hlink="hlink" folHlink="folHlink"/>
+    <a:masterClrMapping/>
   </p:clrMapOvr>
 </p:sld>
 </file>
@@ -23780,7 +23618,7 @@
           <a:ln/>
           <a:extLst>
             <a:ext uri="{91240B29-F687-4f45-9708-019B960494DF}">
-              <a14:hiddenLine xmlns="" xmlns:a16="http://schemas.microsoft.com/office/drawing/2014/main" xmlns:p14="http://schemas.microsoft.com/office/powerpoint/2010/main" xmlns:a14="http://schemas.microsoft.com/office/drawing/2010/main" w="9525">
+              <a14:hiddenLine xmlns:a14="http://schemas.microsoft.com/office/drawing/2010/main" xmlns:p14="http://schemas.microsoft.com/office/powerpoint/2010/main" xmlns:a16="http://schemas.microsoft.com/office/drawing/2014/main" xmlns="" w="9525">
                 <a:solidFill>
                   <a:srgbClr val="000000"/>
                 </a:solidFill>
@@ -23962,7 +23800,7 @@
           <a:p>
             <a:r>
               <a:rPr lang="en-US" dirty="0"/>
-              <a:t>Gathering &amp; tracking requirements</a:t>
+              <a:t>Gathers &amp; tracks product requirements</a:t>
             </a:r>
           </a:p>
           <a:p>
@@ -24072,7 +23910,13 @@
           <a:p>
             <a:r>
               <a:rPr lang="en-US" dirty="0"/>
-              <a:t>Provides top-cover for decision making </a:t>
+              <a:t>Provides top-cover for decision making</a:t>
+            </a:r>
+          </a:p>
+          <a:p>
+            <a:r>
+              <a:rPr lang="en-US" dirty="0"/>
+              <a:t>Budgeting </a:t>
             </a:r>
           </a:p>
         </p:txBody>
@@ -24587,7 +24431,7 @@
           <a:effectLst/>
           <a:extLst>
             <a:ext uri="{91240B29-F687-4f45-9708-019B960494DF}">
-              <a14:hiddenLine xmlns="" xmlns:a16="http://schemas.microsoft.com/office/drawing/2014/main" xmlns:p14="http://schemas.microsoft.com/office/powerpoint/2010/main" xmlns:a14="http://schemas.microsoft.com/office/drawing/2010/main" w="9525">
+              <a14:hiddenLine xmlns:a14="http://schemas.microsoft.com/office/drawing/2010/main" xmlns:p14="http://schemas.microsoft.com/office/powerpoint/2010/main" xmlns:a16="http://schemas.microsoft.com/office/drawing/2014/main" xmlns="" w="9525">
                 <a:solidFill>
                   <a:srgbClr val="000000"/>
                 </a:solidFill>
@@ -25437,7 +25281,7 @@
           <a:effectLst/>
           <a:extLst>
             <a:ext uri="{91240B29-F687-4f45-9708-019B960494DF}">
-              <a14:hiddenLine xmlns="" xmlns:a14="http://schemas.microsoft.com/office/drawing/2010/main" xmlns:a16="http://schemas.microsoft.com/office/drawing/2014/main" w="9525">
+              <a14:hiddenLine xmlns:a16="http://schemas.microsoft.com/office/drawing/2014/main" xmlns:a14="http://schemas.microsoft.com/office/drawing/2010/main" xmlns="" w="9525">
                 <a:solidFill>
                   <a:srgbClr val="000000"/>
                 </a:solidFill>
@@ -25775,7 +25619,7 @@
           <a:effectLst/>
           <a:extLst>
             <a:ext uri="{91240B29-F687-4f45-9708-019B960494DF}">
-              <a14:hiddenLine xmlns="" xmlns:a14="http://schemas.microsoft.com/office/drawing/2010/main" xmlns:p14="http://schemas.microsoft.com/office/powerpoint/2010/main" xmlns:a16="http://schemas.microsoft.com/office/drawing/2014/main" w="9525">
+              <a14:hiddenLine xmlns:a16="http://schemas.microsoft.com/office/drawing/2014/main" xmlns:p14="http://schemas.microsoft.com/office/powerpoint/2010/main" xmlns:a14="http://schemas.microsoft.com/office/drawing/2010/main" xmlns="" w="9525">
                 <a:solidFill>
                   <a:srgbClr val="000000"/>
                 </a:solidFill>
@@ -26195,7 +26039,7 @@
           </a:ln>
           <a:extLst>
             <a:ext uri="{91240B29-F687-4f45-9708-019B960494DF}">
-              <a14:hiddenLine xmlns="" xmlns:a16="http://schemas.microsoft.com/office/drawing/2014/main" xmlns:p14="http://schemas.microsoft.com/office/powerpoint/2010/main" xmlns:dgm="http://schemas.openxmlformats.org/drawingml/2006/diagram" xmlns:a14="http://schemas.microsoft.com/office/drawing/2010/main" w="9525">
+              <a14:hiddenLine xmlns:a14="http://schemas.microsoft.com/office/drawing/2010/main" xmlns:dgm="http://schemas.openxmlformats.org/drawingml/2006/diagram" xmlns:p14="http://schemas.microsoft.com/office/powerpoint/2010/main" xmlns:a16="http://schemas.microsoft.com/office/drawing/2014/main" xmlns="" w="9525">
                 <a:solidFill>
                   <a:srgbClr val="000000"/>
                 </a:solidFill>
@@ -26503,7 +26347,7 @@
           <a:effectLst/>
           <a:extLst>
             <a:ext uri="{91240B29-F687-4f45-9708-019B960494DF}">
-              <a14:hiddenLine xmlns="" xmlns:a16="http://schemas.microsoft.com/office/drawing/2014/main" xmlns:p14="http://schemas.microsoft.com/office/powerpoint/2010/main" xmlns:a14="http://schemas.microsoft.com/office/drawing/2010/main" w="9525">
+              <a14:hiddenLine xmlns:a14="http://schemas.microsoft.com/office/drawing/2010/main" xmlns:p14="http://schemas.microsoft.com/office/powerpoint/2010/main" xmlns:a16="http://schemas.microsoft.com/office/drawing/2014/main" xmlns="" w="9525">
                 <a:solidFill>
                   <a:srgbClr val="000000"/>
                 </a:solidFill>
@@ -27100,7 +26944,7 @@
           <a:effectLst/>
           <a:extLst>
             <a:ext uri="{91240B29-F687-4f45-9708-019B960494DF}">
-              <a14:hiddenLine xmlns="" xmlns:a16="http://schemas.microsoft.com/office/drawing/2014/main" xmlns:p14="http://schemas.microsoft.com/office/powerpoint/2010/main" xmlns:a14="http://schemas.microsoft.com/office/drawing/2010/main" w="9525">
+              <a14:hiddenLine xmlns:a14="http://schemas.microsoft.com/office/drawing/2010/main" xmlns:p14="http://schemas.microsoft.com/office/powerpoint/2010/main" xmlns:a16="http://schemas.microsoft.com/office/drawing/2014/main" xmlns="" w="9525">
                 <a:solidFill>
                   <a:srgbClr val="000000"/>
                 </a:solidFill>
@@ -27924,7 +27768,7 @@
           </a:ln>
           <a:extLst>
             <a:ext uri="{91240B29-F687-4f45-9708-019B960494DF}">
-              <a14:hiddenLine xmlns="" xmlns:a16="http://schemas.microsoft.com/office/drawing/2014/main" xmlns:p14="http://schemas.microsoft.com/office/powerpoint/2010/main" xmlns:a14="http://schemas.microsoft.com/office/drawing/2010/main" w="9525">
+              <a14:hiddenLine xmlns:a14="http://schemas.microsoft.com/office/drawing/2010/main" xmlns:p14="http://schemas.microsoft.com/office/powerpoint/2010/main" xmlns:a16="http://schemas.microsoft.com/office/drawing/2014/main" xmlns="" w="9525">
                 <a:solidFill>
                   <a:srgbClr val="000000"/>
                 </a:solidFill>
@@ -28183,7 +28027,7 @@
           <a:effectLst/>
           <a:extLst>
             <a:ext uri="{91240B29-F687-4f45-9708-019B960494DF}">
-              <a14:hiddenLine xmlns="" xmlns:a16="http://schemas.microsoft.com/office/drawing/2014/main" xmlns:p14="http://schemas.microsoft.com/office/powerpoint/2010/main" xmlns:a14="http://schemas.microsoft.com/office/drawing/2010/main" w="9525">
+              <a14:hiddenLine xmlns:a14="http://schemas.microsoft.com/office/drawing/2010/main" xmlns:p14="http://schemas.microsoft.com/office/powerpoint/2010/main" xmlns:a16="http://schemas.microsoft.com/office/drawing/2014/main" xmlns="" w="9525">
                 <a:solidFill>
                   <a:srgbClr val="000000"/>
                 </a:solidFill>
@@ -28741,7 +28585,7 @@
           <a:effectLst/>
           <a:extLst>
             <a:ext uri="{91240B29-F687-4f45-9708-019B960494DF}">
-              <a14:hiddenLine xmlns="" xmlns:a16="http://schemas.microsoft.com/office/drawing/2014/main" xmlns:p14="http://schemas.microsoft.com/office/powerpoint/2010/main" xmlns:a14="http://schemas.microsoft.com/office/drawing/2010/main" w="9525">
+              <a14:hiddenLine xmlns:a14="http://schemas.microsoft.com/office/drawing/2010/main" xmlns:p14="http://schemas.microsoft.com/office/powerpoint/2010/main" xmlns:a16="http://schemas.microsoft.com/office/drawing/2014/main" xmlns="" w="9525">
                 <a:solidFill>
                   <a:srgbClr val="000000"/>
                 </a:solidFill>
